--- a/Experiment 1/FigureE1Methods.pptx
+++ b/Experiment 1/FigureE1Methods.pptx
@@ -3342,12 +3342,198 @@
           <a:chExt cx="0" cy="0"/>
         </a:xfrm>
       </p:grpSpPr>
+      <p:sp>
+        <p:nvSpPr>
+          <p:cNvPr id="7" name="TextBox 6">
+            <a:extLst>
+              <a:ext uri="{FF2B5EF4-FFF2-40B4-BE49-F238E27FC236}">
+                <a16:creationId xmlns:a16="http://schemas.microsoft.com/office/drawing/2014/main" id="{519566CF-6021-6208-331B-C530210E02E5}"/>
+              </a:ext>
+            </a:extLst>
+          </p:cNvPr>
+          <p:cNvSpPr txBox="1"/>
+          <p:nvPr/>
+        </p:nvSpPr>
+        <p:spPr>
+          <a:xfrm>
+            <a:off x="7319697" y="1653026"/>
+            <a:ext cx="2085796" cy="443198"/>
+          </a:xfrm>
+          <a:prstGeom prst="rect">
+            <a:avLst/>
+          </a:prstGeom>
+          <a:noFill/>
+          <a:ln>
+            <a:solidFill>
+              <a:schemeClr val="accent1"/>
+            </a:solidFill>
+          </a:ln>
+        </p:spPr>
+        <p:txBody>
+          <a:bodyPr wrap="square" rtlCol="0">
+            <a:spAutoFit/>
+          </a:bodyPr>
+          <a:lstStyle/>
+          <a:p>
+            <a:pPr algn="ctr"/>
+            <a:r>
+              <a:rPr lang="en-US" dirty="0"/>
+              <a:t>Throwing task</a:t>
+            </a:r>
+          </a:p>
+        </p:txBody>
+      </p:sp>
+      <p:sp>
+        <p:nvSpPr>
+          <p:cNvPr id="9" name="TextBox 8">
+            <a:extLst>
+              <a:ext uri="{FF2B5EF4-FFF2-40B4-BE49-F238E27FC236}">
+                <a16:creationId xmlns:a16="http://schemas.microsoft.com/office/drawing/2014/main" id="{7909DE1D-AD22-2E65-B5DD-0BA9D7800EF0}"/>
+              </a:ext>
+            </a:extLst>
+          </p:cNvPr>
+          <p:cNvSpPr txBox="1"/>
+          <p:nvPr/>
+        </p:nvSpPr>
+        <p:spPr>
+          <a:xfrm>
+            <a:off x="3260669" y="1561220"/>
+            <a:ext cx="1897998" cy="443198"/>
+          </a:xfrm>
+          <a:prstGeom prst="rect">
+            <a:avLst/>
+          </a:prstGeom>
+          <a:noFill/>
+        </p:spPr>
+        <p:txBody>
+          <a:bodyPr wrap="square" rtlCol="0">
+            <a:spAutoFit/>
+          </a:bodyPr>
+          <a:lstStyle/>
+          <a:p>
+            <a:r>
+              <a:rPr lang="en-US" dirty="0"/>
+              <a:t>Experiment 1A</a:t>
+            </a:r>
+          </a:p>
+        </p:txBody>
+      </p:sp>
+      <p:sp>
+        <p:nvSpPr>
+          <p:cNvPr id="10" name="TextBox 9">
+            <a:extLst>
+              <a:ext uri="{FF2B5EF4-FFF2-40B4-BE49-F238E27FC236}">
+                <a16:creationId xmlns:a16="http://schemas.microsoft.com/office/drawing/2014/main" id="{CBEBEB07-B49C-F5B4-4389-82EC004DCBF2}"/>
+              </a:ext>
+            </a:extLst>
+          </p:cNvPr>
+          <p:cNvSpPr txBox="1"/>
+          <p:nvPr/>
+        </p:nvSpPr>
+        <p:spPr>
+          <a:xfrm>
+            <a:off x="3260668" y="2937751"/>
+            <a:ext cx="1897998" cy="443198"/>
+          </a:xfrm>
+          <a:prstGeom prst="rect">
+            <a:avLst/>
+          </a:prstGeom>
+          <a:noFill/>
+        </p:spPr>
+        <p:txBody>
+          <a:bodyPr wrap="square" rtlCol="0">
+            <a:spAutoFit/>
+          </a:bodyPr>
+          <a:lstStyle/>
+          <a:p>
+            <a:r>
+              <a:rPr lang="en-US" dirty="0"/>
+              <a:t>Experiment 1B</a:t>
+            </a:r>
+          </a:p>
+        </p:txBody>
+      </p:sp>
+      <p:sp>
+        <p:nvSpPr>
+          <p:cNvPr id="11" name="TextBox 10">
+            <a:extLst>
+              <a:ext uri="{FF2B5EF4-FFF2-40B4-BE49-F238E27FC236}">
+                <a16:creationId xmlns:a16="http://schemas.microsoft.com/office/drawing/2014/main" id="{B947A70E-4483-CC25-FD6F-52EFC49DE467}"/>
+              </a:ext>
+            </a:extLst>
+          </p:cNvPr>
+          <p:cNvSpPr txBox="1"/>
+          <p:nvPr/>
+        </p:nvSpPr>
+        <p:spPr>
+          <a:xfrm>
+            <a:off x="3229044" y="4498925"/>
+            <a:ext cx="1897998" cy="443198"/>
+          </a:xfrm>
+          <a:prstGeom prst="rect">
+            <a:avLst/>
+          </a:prstGeom>
+          <a:noFill/>
+        </p:spPr>
+        <p:txBody>
+          <a:bodyPr wrap="square" rtlCol="0">
+            <a:spAutoFit/>
+          </a:bodyPr>
+          <a:lstStyle/>
+          <a:p>
+            <a:r>
+              <a:rPr lang="en-US" dirty="0"/>
+              <a:t>Experiment 1C</a:t>
+            </a:r>
+          </a:p>
+        </p:txBody>
+      </p:sp>
+      <p:sp>
+        <p:nvSpPr>
+          <p:cNvPr id="12" name="TextBox 11">
+            <a:extLst>
+              <a:ext uri="{FF2B5EF4-FFF2-40B4-BE49-F238E27FC236}">
+                <a16:creationId xmlns:a16="http://schemas.microsoft.com/office/drawing/2014/main" id="{3E45A368-876F-AD9C-AB3B-12FD3D1F5FB2}"/>
+              </a:ext>
+            </a:extLst>
+          </p:cNvPr>
+          <p:cNvSpPr txBox="1"/>
+          <p:nvPr/>
+        </p:nvSpPr>
+        <p:spPr>
+          <a:xfrm>
+            <a:off x="5036120" y="1421516"/>
+            <a:ext cx="1438326" cy="443198"/>
+          </a:xfrm>
+          <a:prstGeom prst="rect">
+            <a:avLst/>
+          </a:prstGeom>
+          <a:noFill/>
+          <a:ln>
+            <a:solidFill>
+              <a:schemeClr val="accent1"/>
+            </a:solidFill>
+          </a:ln>
+        </p:spPr>
+        <p:txBody>
+          <a:bodyPr wrap="square" rtlCol="0">
+            <a:spAutoFit/>
+          </a:bodyPr>
+          <a:lstStyle/>
+          <a:p>
+            <a:r>
+              <a:rPr lang="en-US" dirty="0"/>
+              <a:t>Table task</a:t>
+            </a:r>
+          </a:p>
+        </p:txBody>
+      </p:sp>
       <p:grpSp>
         <p:nvGrpSpPr>
-          <p:cNvPr id="61" name="Group 60">
-            <a:extLst>
-              <a:ext uri="{FF2B5EF4-FFF2-40B4-BE49-F238E27FC236}">
-                <a16:creationId xmlns:a16="http://schemas.microsoft.com/office/drawing/2014/main" id="{6F164DC3-19E5-7180-8D23-78281613F324}"/>
+          <p:cNvPr id="15" name="Group 14">
+            <a:extLst>
+              <a:ext uri="{FF2B5EF4-FFF2-40B4-BE49-F238E27FC236}">
+                <a16:creationId xmlns:a16="http://schemas.microsoft.com/office/drawing/2014/main" id="{F2646ED3-DD80-6CF8-9A98-DD33D0A5644B}"/>
               </a:ext>
             </a:extLst>
           </p:cNvPr>
@@ -3357,17 +3543,47 @@
         <p:grpSpPr>
           <a:xfrm>
             <a:off x="459522" y="1421516"/>
-            <a:ext cx="11495448" cy="4014967"/>
-            <a:chOff x="410099" y="517737"/>
-            <a:chExt cx="9579540" cy="3345806"/>
+            <a:ext cx="2663190" cy="1817370"/>
+            <a:chOff x="2328736" y="2016853"/>
+            <a:chExt cx="2219325" cy="1514475"/>
           </a:xfrm>
         </p:grpSpPr>
+        <p:pic>
+          <p:nvPicPr>
+            <p:cNvPr id="6" name="image8.png">
+              <a:extLst>
+                <a:ext uri="{FF2B5EF4-FFF2-40B4-BE49-F238E27FC236}">
+                  <a16:creationId xmlns:a16="http://schemas.microsoft.com/office/drawing/2014/main" id="{37B8EFE4-EEE6-14AE-E776-29A7A088E0EA}"/>
+                </a:ext>
+              </a:extLst>
+            </p:cNvPr>
+            <p:cNvPicPr/>
+            <p:nvPr/>
+          </p:nvPicPr>
+          <p:blipFill>
+            <a:blip r:embed="rId2"/>
+            <a:srcRect/>
+            <a:stretch>
+              <a:fillRect/>
+            </a:stretch>
+          </p:blipFill>
+          <p:spPr>
+            <a:xfrm>
+              <a:off x="2328736" y="2016853"/>
+              <a:ext cx="2219325" cy="1514475"/>
+            </a:xfrm>
+            <a:prstGeom prst="rect">
+              <a:avLst/>
+            </a:prstGeom>
+            <a:ln/>
+          </p:spPr>
+        </p:pic>
         <p:sp>
           <p:nvSpPr>
-            <p:cNvPr id="7" name="TextBox 6">
+            <p:cNvPr id="13" name="TextBox 12">
               <a:extLst>
                 <a:ext uri="{FF2B5EF4-FFF2-40B4-BE49-F238E27FC236}">
-                  <a16:creationId xmlns:a16="http://schemas.microsoft.com/office/drawing/2014/main" id="{519566CF-6021-6208-331B-C530210E02E5}"/>
+                  <a16:creationId xmlns:a16="http://schemas.microsoft.com/office/drawing/2014/main" id="{2FA33612-9C53-C6F8-8BB2-B99843AE5EA1}"/>
                 </a:ext>
               </a:extLst>
             </p:cNvPr>
@@ -3376,49 +3592,8 @@
           </p:nvSpPr>
           <p:spPr>
             <a:xfrm>
-              <a:off x="6497616" y="710662"/>
-              <a:ext cx="1738163" cy="369332"/>
-            </a:xfrm>
-            <a:prstGeom prst="rect">
-              <a:avLst/>
-            </a:prstGeom>
-            <a:noFill/>
-            <a:ln>
-              <a:solidFill>
-                <a:schemeClr val="accent1"/>
-              </a:solidFill>
-            </a:ln>
-          </p:spPr>
-          <p:txBody>
-            <a:bodyPr wrap="square" rtlCol="0">
-              <a:spAutoFit/>
-            </a:bodyPr>
-            <a:lstStyle/>
-            <a:p>
-              <a:pPr algn="ctr"/>
-              <a:r>
-                <a:rPr lang="en-US" dirty="0"/>
-                <a:t>Throwing task</a:t>
-              </a:r>
-            </a:p>
-          </p:txBody>
-        </p:sp>
-        <p:sp>
-          <p:nvSpPr>
-            <p:cNvPr id="9" name="TextBox 8">
-              <a:extLst>
-                <a:ext uri="{FF2B5EF4-FFF2-40B4-BE49-F238E27FC236}">
-                  <a16:creationId xmlns:a16="http://schemas.microsoft.com/office/drawing/2014/main" id="{7909DE1D-AD22-2E65-B5DD-0BA9D7800EF0}"/>
-                </a:ext>
-              </a:extLst>
-            </p:cNvPr>
-            <p:cNvSpPr txBox="1"/>
-            <p:nvPr/>
-          </p:nvSpPr>
-          <p:spPr>
-            <a:xfrm>
-              <a:off x="2744388" y="634157"/>
-              <a:ext cx="1581665" cy="369332"/>
+              <a:off x="2882797" y="2056625"/>
+              <a:ext cx="1111202" cy="369332"/>
             </a:xfrm>
             <a:prstGeom prst="rect">
               <a:avLst/>
@@ -3426,117 +3601,7 @@
             <a:noFill/>
           </p:spPr>
           <p:txBody>
-            <a:bodyPr wrap="square" rtlCol="0">
-              <a:spAutoFit/>
-            </a:bodyPr>
-            <a:lstStyle/>
-            <a:p>
-              <a:r>
-                <a:rPr lang="en-US" dirty="0"/>
-                <a:t>Experiment 1A</a:t>
-              </a:r>
-            </a:p>
-          </p:txBody>
-        </p:sp>
-        <p:sp>
-          <p:nvSpPr>
-            <p:cNvPr id="10" name="TextBox 9">
-              <a:extLst>
-                <a:ext uri="{FF2B5EF4-FFF2-40B4-BE49-F238E27FC236}">
-                  <a16:creationId xmlns:a16="http://schemas.microsoft.com/office/drawing/2014/main" id="{CBEBEB07-B49C-F5B4-4389-82EC004DCBF2}"/>
-                </a:ext>
-              </a:extLst>
-            </p:cNvPr>
-            <p:cNvSpPr txBox="1"/>
-            <p:nvPr/>
-          </p:nvSpPr>
-          <p:spPr>
-            <a:xfrm>
-              <a:off x="2744387" y="1781266"/>
-              <a:ext cx="1581665" cy="369332"/>
-            </a:xfrm>
-            <a:prstGeom prst="rect">
-              <a:avLst/>
-            </a:prstGeom>
-            <a:noFill/>
-          </p:spPr>
-          <p:txBody>
-            <a:bodyPr wrap="square" rtlCol="0">
-              <a:spAutoFit/>
-            </a:bodyPr>
-            <a:lstStyle/>
-            <a:p>
-              <a:r>
-                <a:rPr lang="en-US" dirty="0"/>
-                <a:t>Experiment 1B</a:t>
-              </a:r>
-            </a:p>
-          </p:txBody>
-        </p:sp>
-        <p:sp>
-          <p:nvSpPr>
-            <p:cNvPr id="11" name="TextBox 10">
-              <a:extLst>
-                <a:ext uri="{FF2B5EF4-FFF2-40B4-BE49-F238E27FC236}">
-                  <a16:creationId xmlns:a16="http://schemas.microsoft.com/office/drawing/2014/main" id="{B947A70E-4483-CC25-FD6F-52EFC49DE467}"/>
-                </a:ext>
-              </a:extLst>
-            </p:cNvPr>
-            <p:cNvSpPr txBox="1"/>
-            <p:nvPr/>
-          </p:nvSpPr>
-          <p:spPr>
-            <a:xfrm>
-              <a:off x="2718034" y="3082245"/>
-              <a:ext cx="1581665" cy="369332"/>
-            </a:xfrm>
-            <a:prstGeom prst="rect">
-              <a:avLst/>
-            </a:prstGeom>
-            <a:noFill/>
-          </p:spPr>
-          <p:txBody>
-            <a:bodyPr wrap="square" rtlCol="0">
-              <a:spAutoFit/>
-            </a:bodyPr>
-            <a:lstStyle/>
-            <a:p>
-              <a:r>
-                <a:rPr lang="en-US" dirty="0"/>
-                <a:t>Experiment 1C</a:t>
-              </a:r>
-            </a:p>
-          </p:txBody>
-        </p:sp>
-        <p:sp>
-          <p:nvSpPr>
-            <p:cNvPr id="12" name="TextBox 11">
-              <a:extLst>
-                <a:ext uri="{FF2B5EF4-FFF2-40B4-BE49-F238E27FC236}">
-                  <a16:creationId xmlns:a16="http://schemas.microsoft.com/office/drawing/2014/main" id="{3E45A368-876F-AD9C-AB3B-12FD3D1F5FB2}"/>
-                </a:ext>
-              </a:extLst>
-            </p:cNvPr>
-            <p:cNvSpPr txBox="1"/>
-            <p:nvPr/>
-          </p:nvSpPr>
-          <p:spPr>
-            <a:xfrm>
-              <a:off x="4594635" y="517737"/>
-              <a:ext cx="1198605" cy="369332"/>
-            </a:xfrm>
-            <a:prstGeom prst="rect">
-              <a:avLst/>
-            </a:prstGeom>
-            <a:noFill/>
-            <a:ln>
-              <a:solidFill>
-                <a:schemeClr val="accent1"/>
-              </a:solidFill>
-            </a:ln>
-          </p:spPr>
-          <p:txBody>
-            <a:bodyPr wrap="square" rtlCol="0">
+            <a:bodyPr wrap="none" rtlCol="0">
               <a:spAutoFit/>
             </a:bodyPr>
             <a:lstStyle/>
@@ -3548,188 +3613,63 @@
             </a:p>
           </p:txBody>
         </p:sp>
-        <p:grpSp>
-          <p:nvGrpSpPr>
-            <p:cNvPr id="15" name="Group 14">
+      </p:grpSp>
+      <p:grpSp>
+        <p:nvGrpSpPr>
+          <p:cNvPr id="16" name="Group 15">
+            <a:extLst>
+              <a:ext uri="{FF2B5EF4-FFF2-40B4-BE49-F238E27FC236}">
+                <a16:creationId xmlns:a16="http://schemas.microsoft.com/office/drawing/2014/main" id="{F1F8C1CA-F204-6D29-CA6E-CBBA1DF8D259}"/>
+              </a:ext>
+            </a:extLst>
+          </p:cNvPr>
+          <p:cNvGrpSpPr/>
+          <p:nvPr/>
+        </p:nvGrpSpPr>
+        <p:grpSpPr>
+          <a:xfrm>
+            <a:off x="468719" y="3619113"/>
+            <a:ext cx="2663190" cy="1817370"/>
+            <a:chOff x="2328736" y="3638293"/>
+            <a:chExt cx="2219325" cy="1514475"/>
+          </a:xfrm>
+        </p:grpSpPr>
+        <p:pic>
+          <p:nvPicPr>
+            <p:cNvPr id="5" name="image4.png">
               <a:extLst>
                 <a:ext uri="{FF2B5EF4-FFF2-40B4-BE49-F238E27FC236}">
-                  <a16:creationId xmlns:a16="http://schemas.microsoft.com/office/drawing/2014/main" id="{F2646ED3-DD80-6CF8-9A98-DD33D0A5644B}"/>
+                  <a16:creationId xmlns:a16="http://schemas.microsoft.com/office/drawing/2014/main" id="{AB327186-1A99-215B-B1C1-78538AF705CC}"/>
                 </a:ext>
               </a:extLst>
             </p:cNvPr>
-            <p:cNvGrpSpPr/>
+            <p:cNvPicPr/>
             <p:nvPr/>
-          </p:nvGrpSpPr>
-          <p:grpSpPr>
+          </p:nvPicPr>
+          <p:blipFill>
+            <a:blip r:embed="rId3"/>
+            <a:srcRect/>
+            <a:stretch>
+              <a:fillRect/>
+            </a:stretch>
+          </p:blipFill>
+          <p:spPr>
             <a:xfrm>
-              <a:off x="410099" y="517737"/>
+              <a:off x="2328736" y="3638293"/>
               <a:ext cx="2219325" cy="1514475"/>
-              <a:chOff x="2328736" y="2016853"/>
-              <a:chExt cx="2219325" cy="1514475"/>
             </a:xfrm>
-          </p:grpSpPr>
-          <p:pic>
-            <p:nvPicPr>
-              <p:cNvPr id="6" name="image8.png">
-                <a:extLst>
-                  <a:ext uri="{FF2B5EF4-FFF2-40B4-BE49-F238E27FC236}">
-                    <a16:creationId xmlns:a16="http://schemas.microsoft.com/office/drawing/2014/main" id="{37B8EFE4-EEE6-14AE-E776-29A7A088E0EA}"/>
-                  </a:ext>
-                </a:extLst>
-              </p:cNvPr>
-              <p:cNvPicPr/>
-              <p:nvPr/>
-            </p:nvPicPr>
-            <p:blipFill>
-              <a:blip r:embed="rId2"/>
-              <a:srcRect/>
-              <a:stretch>
-                <a:fillRect/>
-              </a:stretch>
-            </p:blipFill>
-            <p:spPr>
-              <a:xfrm>
-                <a:off x="2328736" y="2016853"/>
-                <a:ext cx="2219325" cy="1514475"/>
-              </a:xfrm>
-              <a:prstGeom prst="rect">
-                <a:avLst/>
-              </a:prstGeom>
-              <a:ln/>
-            </p:spPr>
-          </p:pic>
-          <p:sp>
-            <p:nvSpPr>
-              <p:cNvPr id="13" name="TextBox 12">
-                <a:extLst>
-                  <a:ext uri="{FF2B5EF4-FFF2-40B4-BE49-F238E27FC236}">
-                    <a16:creationId xmlns:a16="http://schemas.microsoft.com/office/drawing/2014/main" id="{2FA33612-9C53-C6F8-8BB2-B99843AE5EA1}"/>
-                  </a:ext>
-                </a:extLst>
-              </p:cNvPr>
-              <p:cNvSpPr txBox="1"/>
-              <p:nvPr/>
-            </p:nvSpPr>
-            <p:spPr>
-              <a:xfrm>
-                <a:off x="2882797" y="2056625"/>
-                <a:ext cx="1111202" cy="369332"/>
-              </a:xfrm>
-              <a:prstGeom prst="rect">
-                <a:avLst/>
-              </a:prstGeom>
-              <a:noFill/>
-            </p:spPr>
-            <p:txBody>
-              <a:bodyPr wrap="none" rtlCol="0">
-                <a:spAutoFit/>
-              </a:bodyPr>
-              <a:lstStyle/>
-              <a:p>
-                <a:r>
-                  <a:rPr lang="en-US" dirty="0"/>
-                  <a:t>Table task</a:t>
-                </a:r>
-              </a:p>
-            </p:txBody>
-          </p:sp>
-        </p:grpSp>
-        <p:grpSp>
-          <p:nvGrpSpPr>
-            <p:cNvPr id="16" name="Group 15">
+            <a:prstGeom prst="rect">
+              <a:avLst/>
+            </a:prstGeom>
+            <a:ln/>
+          </p:spPr>
+        </p:pic>
+        <p:sp>
+          <p:nvSpPr>
+            <p:cNvPr id="14" name="TextBox 13">
               <a:extLst>
                 <a:ext uri="{FF2B5EF4-FFF2-40B4-BE49-F238E27FC236}">
-                  <a16:creationId xmlns:a16="http://schemas.microsoft.com/office/drawing/2014/main" id="{F1F8C1CA-F204-6D29-CA6E-CBBA1DF8D259}"/>
-                </a:ext>
-              </a:extLst>
-            </p:cNvPr>
-            <p:cNvGrpSpPr/>
-            <p:nvPr/>
-          </p:nvGrpSpPr>
-          <p:grpSpPr>
-            <a:xfrm>
-              <a:off x="417763" y="2349068"/>
-              <a:ext cx="2219325" cy="1514475"/>
-              <a:chOff x="2328736" y="3638293"/>
-              <a:chExt cx="2219325" cy="1514475"/>
-            </a:xfrm>
-          </p:grpSpPr>
-          <p:pic>
-            <p:nvPicPr>
-              <p:cNvPr id="5" name="image4.png">
-                <a:extLst>
-                  <a:ext uri="{FF2B5EF4-FFF2-40B4-BE49-F238E27FC236}">
-                    <a16:creationId xmlns:a16="http://schemas.microsoft.com/office/drawing/2014/main" id="{AB327186-1A99-215B-B1C1-78538AF705CC}"/>
-                  </a:ext>
-                </a:extLst>
-              </p:cNvPr>
-              <p:cNvPicPr/>
-              <p:nvPr/>
-            </p:nvPicPr>
-            <p:blipFill>
-              <a:blip r:embed="rId3"/>
-              <a:srcRect/>
-              <a:stretch>
-                <a:fillRect/>
-              </a:stretch>
-            </p:blipFill>
-            <p:spPr>
-              <a:xfrm>
-                <a:off x="2328736" y="3638293"/>
-                <a:ext cx="2219325" cy="1514475"/>
-              </a:xfrm>
-              <a:prstGeom prst="rect">
-                <a:avLst/>
-              </a:prstGeom>
-              <a:ln/>
-            </p:spPr>
-          </p:pic>
-          <p:sp>
-            <p:nvSpPr>
-              <p:cNvPr id="14" name="TextBox 13">
-                <a:extLst>
-                  <a:ext uri="{FF2B5EF4-FFF2-40B4-BE49-F238E27FC236}">
-                    <a16:creationId xmlns:a16="http://schemas.microsoft.com/office/drawing/2014/main" id="{0DD40B23-CF3E-A1F3-7932-1E56C56949BA}"/>
-                  </a:ext>
-                </a:extLst>
-              </p:cNvPr>
-              <p:cNvSpPr txBox="1"/>
-              <p:nvPr/>
-            </p:nvSpPr>
-            <p:spPr>
-              <a:xfrm>
-                <a:off x="2690148" y="3969821"/>
-                <a:ext cx="1496500" cy="369332"/>
-              </a:xfrm>
-              <a:prstGeom prst="rect">
-                <a:avLst/>
-              </a:prstGeom>
-              <a:noFill/>
-            </p:spPr>
-            <p:txBody>
-              <a:bodyPr wrap="none" rtlCol="0">
-                <a:spAutoFit/>
-              </a:bodyPr>
-              <a:lstStyle/>
-              <a:p>
-                <a:r>
-                  <a:rPr lang="en-US" dirty="0">
-                    <a:solidFill>
-                      <a:schemeClr val="bg1"/>
-                    </a:solidFill>
-                  </a:rPr>
-                  <a:t>Throwing task</a:t>
-                </a:r>
-              </a:p>
-            </p:txBody>
-          </p:sp>
-        </p:grpSp>
-        <p:sp>
-          <p:nvSpPr>
-            <p:cNvPr id="17" name="TextBox 16">
-              <a:extLst>
-                <a:ext uri="{FF2B5EF4-FFF2-40B4-BE49-F238E27FC236}">
-                  <a16:creationId xmlns:a16="http://schemas.microsoft.com/office/drawing/2014/main" id="{9F057330-7515-B790-2D28-75431F0805B8}"/>
+                  <a16:creationId xmlns:a16="http://schemas.microsoft.com/office/drawing/2014/main" id="{0DD40B23-CF3E-A1F3-7932-1E56C56949BA}"/>
                 </a:ext>
               </a:extLst>
             </p:cNvPr>
@@ -3738,736 +3678,775 @@
           </p:nvSpPr>
           <p:spPr>
             <a:xfrm>
-              <a:off x="4602852" y="891593"/>
-              <a:ext cx="1198605" cy="369332"/>
+              <a:off x="2690148" y="3969821"/>
+              <a:ext cx="1496500" cy="369332"/>
             </a:xfrm>
             <a:prstGeom prst="rect">
               <a:avLst/>
             </a:prstGeom>
             <a:noFill/>
-            <a:ln>
-              <a:solidFill>
-                <a:schemeClr val="accent1"/>
-              </a:solidFill>
-            </a:ln>
           </p:spPr>
           <p:txBody>
-            <a:bodyPr wrap="square" rtlCol="0">
+            <a:bodyPr wrap="none" rtlCol="0">
               <a:spAutoFit/>
             </a:bodyPr>
             <a:lstStyle/>
             <a:p>
               <a:r>
-                <a:rPr lang="en-US" dirty="0"/>
-                <a:t>Small talk</a:t>
-              </a:r>
-            </a:p>
-          </p:txBody>
-        </p:sp>
-        <p:cxnSp>
-          <p:nvCxnSpPr>
-            <p:cNvPr id="20" name="Straight Arrow Connector 19">
-              <a:extLst>
-                <a:ext uri="{FF2B5EF4-FFF2-40B4-BE49-F238E27FC236}">
-                  <a16:creationId xmlns:a16="http://schemas.microsoft.com/office/drawing/2014/main" id="{6EAE72F2-7A9C-04BA-208D-27E530DB3392}"/>
-                </a:ext>
-              </a:extLst>
-            </p:cNvPr>
-            <p:cNvCxnSpPr>
-              <a:cxnSpLocks/>
-            </p:cNvCxnSpPr>
-            <p:nvPr/>
-          </p:nvCxnSpPr>
-          <p:spPr>
-            <a:xfrm>
-              <a:off x="5793240" y="739653"/>
-              <a:ext cx="704376" cy="37894"/>
-            </a:xfrm>
-            <a:prstGeom prst="straightConnector1">
-              <a:avLst/>
-            </a:prstGeom>
-            <a:ln>
-              <a:tailEnd type="triangle"/>
-            </a:ln>
-          </p:spPr>
-          <p:style>
-            <a:lnRef idx="1">
-              <a:schemeClr val="accent1"/>
-            </a:lnRef>
-            <a:fillRef idx="0">
-              <a:schemeClr val="accent1"/>
-            </a:fillRef>
-            <a:effectRef idx="0">
-              <a:schemeClr val="accent1"/>
-            </a:effectRef>
-            <a:fontRef idx="minor">
-              <a:schemeClr val="tx1"/>
-            </a:fontRef>
-          </p:style>
-        </p:cxnSp>
-        <p:cxnSp>
-          <p:nvCxnSpPr>
-            <p:cNvPr id="22" name="Straight Arrow Connector 21">
-              <a:extLst>
-                <a:ext uri="{FF2B5EF4-FFF2-40B4-BE49-F238E27FC236}">
-                  <a16:creationId xmlns:a16="http://schemas.microsoft.com/office/drawing/2014/main" id="{B8BF29FD-FB18-3D5F-C362-66E19E82D157}"/>
-                </a:ext>
-              </a:extLst>
-            </p:cNvPr>
-            <p:cNvCxnSpPr>
-              <a:cxnSpLocks/>
-              <a:stCxn id="17" idx="3"/>
-              <a:endCxn id="7" idx="1"/>
-            </p:cNvCxnSpPr>
-            <p:nvPr/>
-          </p:nvCxnSpPr>
-          <p:spPr>
-            <a:xfrm flipV="1">
-              <a:off x="5801457" y="895328"/>
-              <a:ext cx="696158" cy="180931"/>
-            </a:xfrm>
-            <a:prstGeom prst="straightConnector1">
-              <a:avLst/>
-            </a:prstGeom>
-            <a:ln>
-              <a:tailEnd type="triangle"/>
-            </a:ln>
-          </p:spPr>
-          <p:style>
-            <a:lnRef idx="1">
-              <a:schemeClr val="accent1"/>
-            </a:lnRef>
-            <a:fillRef idx="0">
-              <a:schemeClr val="accent1"/>
-            </a:fillRef>
-            <a:effectRef idx="0">
-              <a:schemeClr val="accent1"/>
-            </a:effectRef>
-            <a:fontRef idx="minor">
-              <a:schemeClr val="tx1"/>
-            </a:fontRef>
-          </p:style>
-        </p:cxnSp>
-        <p:sp>
-          <p:nvSpPr>
-            <p:cNvPr id="23" name="TextBox 22">
-              <a:extLst>
-                <a:ext uri="{FF2B5EF4-FFF2-40B4-BE49-F238E27FC236}">
-                  <a16:creationId xmlns:a16="http://schemas.microsoft.com/office/drawing/2014/main" id="{26AE0DA7-EA3F-9EE5-661F-008A976EEF14}"/>
-                </a:ext>
-              </a:extLst>
-            </p:cNvPr>
-            <p:cNvSpPr txBox="1"/>
-            <p:nvPr/>
-          </p:nvSpPr>
-          <p:spPr>
-            <a:xfrm>
-              <a:off x="4555978" y="1549783"/>
-              <a:ext cx="2217244" cy="369332"/>
-            </a:xfrm>
-            <a:prstGeom prst="rect">
-              <a:avLst/>
-            </a:prstGeom>
-            <a:noFill/>
-            <a:ln>
-              <a:solidFill>
-                <a:schemeClr val="accent1"/>
-              </a:solidFill>
-            </a:ln>
-          </p:spPr>
-          <p:txBody>
-            <a:bodyPr wrap="square" rtlCol="0">
-              <a:spAutoFit/>
-            </a:bodyPr>
-            <a:lstStyle/>
-            <a:p>
-              <a:r>
-                <a:rPr lang="en-US" dirty="0"/>
-                <a:t>Table task</a:t>
-              </a:r>
-            </a:p>
-          </p:txBody>
-        </p:sp>
-        <p:sp>
-          <p:nvSpPr>
-            <p:cNvPr id="24" name="TextBox 23">
-              <a:extLst>
-                <a:ext uri="{FF2B5EF4-FFF2-40B4-BE49-F238E27FC236}">
-                  <a16:creationId xmlns:a16="http://schemas.microsoft.com/office/drawing/2014/main" id="{AA055603-5E19-2999-0A64-D576409E65E3}"/>
-                </a:ext>
-              </a:extLst>
-            </p:cNvPr>
-            <p:cNvSpPr txBox="1"/>
-            <p:nvPr/>
-          </p:nvSpPr>
-          <p:spPr>
-            <a:xfrm>
-              <a:off x="4553898" y="1919115"/>
-              <a:ext cx="2219324" cy="369332"/>
-            </a:xfrm>
-            <a:prstGeom prst="rect">
-              <a:avLst/>
-            </a:prstGeom>
-            <a:noFill/>
-            <a:ln>
-              <a:solidFill>
-                <a:schemeClr val="accent1"/>
-              </a:solidFill>
-            </a:ln>
-          </p:spPr>
-          <p:txBody>
-            <a:bodyPr wrap="square" rtlCol="0">
-              <a:spAutoFit/>
-            </a:bodyPr>
-            <a:lstStyle/>
-            <a:p>
-              <a:r>
-                <a:rPr lang="en-US" dirty="0"/>
-                <a:t>Verbal FDD problem</a:t>
-              </a:r>
-            </a:p>
-          </p:txBody>
-        </p:sp>
-        <p:sp>
-          <p:nvSpPr>
-            <p:cNvPr id="25" name="TextBox 24">
-              <a:extLst>
-                <a:ext uri="{FF2B5EF4-FFF2-40B4-BE49-F238E27FC236}">
-                  <a16:creationId xmlns:a16="http://schemas.microsoft.com/office/drawing/2014/main" id="{1FC6CD11-6D9E-D46A-B108-3041822C8C34}"/>
-                </a:ext>
-              </a:extLst>
-            </p:cNvPr>
-            <p:cNvSpPr txBox="1"/>
-            <p:nvPr/>
-          </p:nvSpPr>
-          <p:spPr>
-            <a:xfrm>
-              <a:off x="4553898" y="2292954"/>
-              <a:ext cx="2219324" cy="369332"/>
-            </a:xfrm>
-            <a:prstGeom prst="rect">
-              <a:avLst/>
-            </a:prstGeom>
-            <a:noFill/>
-            <a:ln>
-              <a:solidFill>
-                <a:schemeClr val="accent1"/>
-              </a:solidFill>
-            </a:ln>
-          </p:spPr>
-          <p:txBody>
-            <a:bodyPr wrap="square" rtlCol="0">
-              <a:spAutoFit/>
-            </a:bodyPr>
-            <a:lstStyle/>
-            <a:p>
-              <a:r>
-                <a:rPr lang="en-US" dirty="0"/>
-                <a:t>Arithmetic problems</a:t>
-              </a:r>
-            </a:p>
-          </p:txBody>
-        </p:sp>
-        <p:sp>
-          <p:nvSpPr>
-            <p:cNvPr id="26" name="TextBox 25">
-              <a:extLst>
-                <a:ext uri="{FF2B5EF4-FFF2-40B4-BE49-F238E27FC236}">
-                  <a16:creationId xmlns:a16="http://schemas.microsoft.com/office/drawing/2014/main" id="{A65500B3-E26B-6766-F82F-21988A609152}"/>
-                </a:ext>
-              </a:extLst>
-            </p:cNvPr>
-            <p:cNvSpPr txBox="1"/>
-            <p:nvPr/>
-          </p:nvSpPr>
-          <p:spPr>
-            <a:xfrm>
-              <a:off x="7677686" y="2070614"/>
-              <a:ext cx="1738163" cy="369332"/>
-            </a:xfrm>
-            <a:prstGeom prst="rect">
-              <a:avLst/>
-            </a:prstGeom>
-            <a:noFill/>
-            <a:ln>
-              <a:solidFill>
-                <a:schemeClr val="accent1"/>
-              </a:solidFill>
-            </a:ln>
-          </p:spPr>
-          <p:txBody>
-            <a:bodyPr wrap="square" rtlCol="0">
-              <a:spAutoFit/>
-            </a:bodyPr>
-            <a:lstStyle/>
-            <a:p>
-              <a:pPr algn="ctr"/>
-              <a:r>
-                <a:rPr lang="en-US" dirty="0"/>
+                <a:rPr lang="en-US" dirty="0">
+                  <a:solidFill>
+                    <a:schemeClr val="bg1"/>
+                  </a:solidFill>
+                </a:rPr>
                 <a:t>Throwing task</a:t>
               </a:r>
             </a:p>
           </p:txBody>
         </p:sp>
-        <p:cxnSp>
-          <p:nvCxnSpPr>
-            <p:cNvPr id="27" name="Straight Arrow Connector 26">
-              <a:extLst>
-                <a:ext uri="{FF2B5EF4-FFF2-40B4-BE49-F238E27FC236}">
-                  <a16:creationId xmlns:a16="http://schemas.microsoft.com/office/drawing/2014/main" id="{A9ACF379-61B4-DAC3-B53E-122B9CAE278E}"/>
-                </a:ext>
-              </a:extLst>
-            </p:cNvPr>
-            <p:cNvCxnSpPr>
-              <a:cxnSpLocks/>
-              <a:stCxn id="24" idx="3"/>
-              <a:endCxn id="26" idx="1"/>
-            </p:cNvCxnSpPr>
-            <p:nvPr/>
-          </p:nvCxnSpPr>
-          <p:spPr>
-            <a:xfrm>
-              <a:off x="6773222" y="2103781"/>
-              <a:ext cx="904464" cy="151499"/>
-            </a:xfrm>
-            <a:prstGeom prst="straightConnector1">
-              <a:avLst/>
-            </a:prstGeom>
-            <a:ln>
-              <a:tailEnd type="triangle"/>
-            </a:ln>
-          </p:spPr>
-          <p:style>
-            <a:lnRef idx="1">
+      </p:grpSp>
+      <p:sp>
+        <p:nvSpPr>
+          <p:cNvPr id="17" name="TextBox 16">
+            <a:extLst>
+              <a:ext uri="{FF2B5EF4-FFF2-40B4-BE49-F238E27FC236}">
+                <a16:creationId xmlns:a16="http://schemas.microsoft.com/office/drawing/2014/main" id="{9F057330-7515-B790-2D28-75431F0805B8}"/>
+              </a:ext>
+            </a:extLst>
+          </p:cNvPr>
+          <p:cNvSpPr txBox="1"/>
+          <p:nvPr/>
+        </p:nvSpPr>
+        <p:spPr>
+          <a:xfrm>
+            <a:off x="5045981" y="1870143"/>
+            <a:ext cx="1438326" cy="443198"/>
+          </a:xfrm>
+          <a:prstGeom prst="rect">
+            <a:avLst/>
+          </a:prstGeom>
+          <a:noFill/>
+          <a:ln>
+            <a:solidFill>
               <a:schemeClr val="accent1"/>
-            </a:lnRef>
-            <a:fillRef idx="0">
+            </a:solidFill>
+          </a:ln>
+        </p:spPr>
+        <p:txBody>
+          <a:bodyPr wrap="square" rtlCol="0">
+            <a:spAutoFit/>
+          </a:bodyPr>
+          <a:lstStyle/>
+          <a:p>
+            <a:r>
+              <a:rPr lang="en-US" dirty="0"/>
+              <a:t>Small talk</a:t>
+            </a:r>
+          </a:p>
+        </p:txBody>
+      </p:sp>
+      <p:cxnSp>
+        <p:nvCxnSpPr>
+          <p:cNvPr id="20" name="Straight Arrow Connector 19">
+            <a:extLst>
+              <a:ext uri="{FF2B5EF4-FFF2-40B4-BE49-F238E27FC236}">
+                <a16:creationId xmlns:a16="http://schemas.microsoft.com/office/drawing/2014/main" id="{6EAE72F2-7A9C-04BA-208D-27E530DB3392}"/>
+              </a:ext>
+            </a:extLst>
+          </p:cNvPr>
+          <p:cNvCxnSpPr>
+            <a:cxnSpLocks/>
+          </p:cNvCxnSpPr>
+          <p:nvPr/>
+        </p:nvCxnSpPr>
+        <p:spPr>
+          <a:xfrm>
+            <a:off x="6474446" y="1687815"/>
+            <a:ext cx="845251" cy="45473"/>
+          </a:xfrm>
+          <a:prstGeom prst="straightConnector1">
+            <a:avLst/>
+          </a:prstGeom>
+          <a:ln>
+            <a:tailEnd type="triangle"/>
+          </a:ln>
+        </p:spPr>
+        <p:style>
+          <a:lnRef idx="1">
+            <a:schemeClr val="accent1"/>
+          </a:lnRef>
+          <a:fillRef idx="0">
+            <a:schemeClr val="accent1"/>
+          </a:fillRef>
+          <a:effectRef idx="0">
+            <a:schemeClr val="accent1"/>
+          </a:effectRef>
+          <a:fontRef idx="minor">
+            <a:schemeClr val="tx1"/>
+          </a:fontRef>
+        </p:style>
+      </p:cxnSp>
+      <p:cxnSp>
+        <p:nvCxnSpPr>
+          <p:cNvPr id="22" name="Straight Arrow Connector 21">
+            <a:extLst>
+              <a:ext uri="{FF2B5EF4-FFF2-40B4-BE49-F238E27FC236}">
+                <a16:creationId xmlns:a16="http://schemas.microsoft.com/office/drawing/2014/main" id="{B8BF29FD-FB18-3D5F-C362-66E19E82D157}"/>
+              </a:ext>
+            </a:extLst>
+          </p:cNvPr>
+          <p:cNvCxnSpPr>
+            <a:cxnSpLocks/>
+            <a:stCxn id="17" idx="3"/>
+            <a:endCxn id="7" idx="1"/>
+          </p:cNvCxnSpPr>
+          <p:nvPr/>
+        </p:nvCxnSpPr>
+        <p:spPr>
+          <a:xfrm flipV="1">
+            <a:off x="6484307" y="1874625"/>
+            <a:ext cx="835390" cy="217117"/>
+          </a:xfrm>
+          <a:prstGeom prst="straightConnector1">
+            <a:avLst/>
+          </a:prstGeom>
+          <a:ln>
+            <a:tailEnd type="triangle"/>
+          </a:ln>
+        </p:spPr>
+        <p:style>
+          <a:lnRef idx="1">
+            <a:schemeClr val="accent1"/>
+          </a:lnRef>
+          <a:fillRef idx="0">
+            <a:schemeClr val="accent1"/>
+          </a:fillRef>
+          <a:effectRef idx="0">
+            <a:schemeClr val="accent1"/>
+          </a:effectRef>
+          <a:fontRef idx="minor">
+            <a:schemeClr val="tx1"/>
+          </a:fontRef>
+        </p:style>
+      </p:cxnSp>
+      <p:sp>
+        <p:nvSpPr>
+          <p:cNvPr id="23" name="TextBox 22">
+            <a:extLst>
+              <a:ext uri="{FF2B5EF4-FFF2-40B4-BE49-F238E27FC236}">
+                <a16:creationId xmlns:a16="http://schemas.microsoft.com/office/drawing/2014/main" id="{26AE0DA7-EA3F-9EE5-661F-008A976EEF14}"/>
+              </a:ext>
+            </a:extLst>
+          </p:cNvPr>
+          <p:cNvSpPr txBox="1"/>
+          <p:nvPr/>
+        </p:nvSpPr>
+        <p:spPr>
+          <a:xfrm>
+            <a:off x="4989732" y="2659971"/>
+            <a:ext cx="2660693" cy="443198"/>
+          </a:xfrm>
+          <a:prstGeom prst="rect">
+            <a:avLst/>
+          </a:prstGeom>
+          <a:noFill/>
+          <a:ln>
+            <a:solidFill>
               <a:schemeClr val="accent1"/>
-            </a:fillRef>
-            <a:effectRef idx="0">
+            </a:solidFill>
+          </a:ln>
+        </p:spPr>
+        <p:txBody>
+          <a:bodyPr wrap="square" rtlCol="0">
+            <a:spAutoFit/>
+          </a:bodyPr>
+          <a:lstStyle/>
+          <a:p>
+            <a:r>
+              <a:rPr lang="en-US" dirty="0"/>
+              <a:t>Table task</a:t>
+            </a:r>
+          </a:p>
+        </p:txBody>
+      </p:sp>
+      <p:sp>
+        <p:nvSpPr>
+          <p:cNvPr id="24" name="TextBox 23">
+            <a:extLst>
+              <a:ext uri="{FF2B5EF4-FFF2-40B4-BE49-F238E27FC236}">
+                <a16:creationId xmlns:a16="http://schemas.microsoft.com/office/drawing/2014/main" id="{AA055603-5E19-2999-0A64-D576409E65E3}"/>
+              </a:ext>
+            </a:extLst>
+          </p:cNvPr>
+          <p:cNvSpPr txBox="1"/>
+          <p:nvPr/>
+        </p:nvSpPr>
+        <p:spPr>
+          <a:xfrm>
+            <a:off x="4987236" y="3103170"/>
+            <a:ext cx="2663189" cy="443198"/>
+          </a:xfrm>
+          <a:prstGeom prst="rect">
+            <a:avLst/>
+          </a:prstGeom>
+          <a:noFill/>
+          <a:ln>
+            <a:solidFill>
               <a:schemeClr val="accent1"/>
-            </a:effectRef>
-            <a:fontRef idx="minor">
-              <a:schemeClr val="tx1"/>
-            </a:fontRef>
-          </p:style>
-        </p:cxnSp>
-        <p:cxnSp>
-          <p:nvCxnSpPr>
-            <p:cNvPr id="28" name="Straight Arrow Connector 27">
-              <a:extLst>
-                <a:ext uri="{FF2B5EF4-FFF2-40B4-BE49-F238E27FC236}">
-                  <a16:creationId xmlns:a16="http://schemas.microsoft.com/office/drawing/2014/main" id="{2F48B2F1-FE04-872D-8858-1604B84F52FA}"/>
-                </a:ext>
-              </a:extLst>
-            </p:cNvPr>
-            <p:cNvCxnSpPr>
-              <a:cxnSpLocks/>
-            </p:cNvCxnSpPr>
-            <p:nvPr/>
-          </p:nvCxnSpPr>
-          <p:spPr>
-            <a:xfrm flipV="1">
-              <a:off x="6773222" y="2364196"/>
-              <a:ext cx="904464" cy="103126"/>
-            </a:xfrm>
-            <a:prstGeom prst="straightConnector1">
-              <a:avLst/>
-            </a:prstGeom>
-            <a:ln>
-              <a:tailEnd type="triangle"/>
-            </a:ln>
-          </p:spPr>
-          <p:style>
-            <a:lnRef idx="1">
+            </a:solidFill>
+          </a:ln>
+        </p:spPr>
+        <p:txBody>
+          <a:bodyPr wrap="square" rtlCol="0">
+            <a:spAutoFit/>
+          </a:bodyPr>
+          <a:lstStyle/>
+          <a:p>
+            <a:r>
+              <a:rPr lang="en-US" dirty="0"/>
+              <a:t>Verbal FDD problem</a:t>
+            </a:r>
+          </a:p>
+        </p:txBody>
+      </p:sp>
+      <p:sp>
+        <p:nvSpPr>
+          <p:cNvPr id="25" name="TextBox 24">
+            <a:extLst>
+              <a:ext uri="{FF2B5EF4-FFF2-40B4-BE49-F238E27FC236}">
+                <a16:creationId xmlns:a16="http://schemas.microsoft.com/office/drawing/2014/main" id="{1FC6CD11-6D9E-D46A-B108-3041822C8C34}"/>
+              </a:ext>
+            </a:extLst>
+          </p:cNvPr>
+          <p:cNvSpPr txBox="1"/>
+          <p:nvPr/>
+        </p:nvSpPr>
+        <p:spPr>
+          <a:xfrm>
+            <a:off x="4987236" y="3551776"/>
+            <a:ext cx="2663189" cy="443198"/>
+          </a:xfrm>
+          <a:prstGeom prst="rect">
+            <a:avLst/>
+          </a:prstGeom>
+          <a:noFill/>
+          <a:ln>
+            <a:solidFill>
               <a:schemeClr val="accent1"/>
-            </a:lnRef>
-            <a:fillRef idx="0">
+            </a:solidFill>
+          </a:ln>
+        </p:spPr>
+        <p:txBody>
+          <a:bodyPr wrap="square" rtlCol="0">
+            <a:spAutoFit/>
+          </a:bodyPr>
+          <a:lstStyle/>
+          <a:p>
+            <a:r>
+              <a:rPr lang="en-US" dirty="0"/>
+              <a:t>Arithmetic problems</a:t>
+            </a:r>
+          </a:p>
+        </p:txBody>
+      </p:sp>
+      <p:sp>
+        <p:nvSpPr>
+          <p:cNvPr id="26" name="TextBox 25">
+            <a:extLst>
+              <a:ext uri="{FF2B5EF4-FFF2-40B4-BE49-F238E27FC236}">
+                <a16:creationId xmlns:a16="http://schemas.microsoft.com/office/drawing/2014/main" id="{A65500B3-E26B-6766-F82F-21988A609152}"/>
+              </a:ext>
+            </a:extLst>
+          </p:cNvPr>
+          <p:cNvSpPr txBox="1"/>
+          <p:nvPr/>
+        </p:nvSpPr>
+        <p:spPr>
+          <a:xfrm>
+            <a:off x="8735781" y="3284968"/>
+            <a:ext cx="2085796" cy="443198"/>
+          </a:xfrm>
+          <a:prstGeom prst="rect">
+            <a:avLst/>
+          </a:prstGeom>
+          <a:noFill/>
+          <a:ln>
+            <a:solidFill>
               <a:schemeClr val="accent1"/>
-            </a:fillRef>
-            <a:effectRef idx="0">
+            </a:solidFill>
+          </a:ln>
+        </p:spPr>
+        <p:txBody>
+          <a:bodyPr wrap="square" rtlCol="0">
+            <a:spAutoFit/>
+          </a:bodyPr>
+          <a:lstStyle/>
+          <a:p>
+            <a:pPr algn="ctr"/>
+            <a:r>
+              <a:rPr lang="en-US" dirty="0"/>
+              <a:t>Throwing task</a:t>
+            </a:r>
+          </a:p>
+        </p:txBody>
+      </p:sp>
+      <p:cxnSp>
+        <p:nvCxnSpPr>
+          <p:cNvPr id="27" name="Straight Arrow Connector 26">
+            <a:extLst>
+              <a:ext uri="{FF2B5EF4-FFF2-40B4-BE49-F238E27FC236}">
+                <a16:creationId xmlns:a16="http://schemas.microsoft.com/office/drawing/2014/main" id="{A9ACF379-61B4-DAC3-B53E-122B9CAE278E}"/>
+              </a:ext>
+            </a:extLst>
+          </p:cNvPr>
+          <p:cNvCxnSpPr>
+            <a:cxnSpLocks/>
+            <a:stCxn id="24" idx="3"/>
+            <a:endCxn id="26" idx="1"/>
+          </p:cNvCxnSpPr>
+          <p:nvPr/>
+        </p:nvCxnSpPr>
+        <p:spPr>
+          <a:xfrm>
+            <a:off x="7650425" y="3324769"/>
+            <a:ext cx="1085357" cy="181799"/>
+          </a:xfrm>
+          <a:prstGeom prst="straightConnector1">
+            <a:avLst/>
+          </a:prstGeom>
+          <a:ln>
+            <a:tailEnd type="triangle"/>
+          </a:ln>
+        </p:spPr>
+        <p:style>
+          <a:lnRef idx="1">
+            <a:schemeClr val="accent1"/>
+          </a:lnRef>
+          <a:fillRef idx="0">
+            <a:schemeClr val="accent1"/>
+          </a:fillRef>
+          <a:effectRef idx="0">
+            <a:schemeClr val="accent1"/>
+          </a:effectRef>
+          <a:fontRef idx="minor">
+            <a:schemeClr val="tx1"/>
+          </a:fontRef>
+        </p:style>
+      </p:cxnSp>
+      <p:cxnSp>
+        <p:nvCxnSpPr>
+          <p:cNvPr id="28" name="Straight Arrow Connector 27">
+            <a:extLst>
+              <a:ext uri="{FF2B5EF4-FFF2-40B4-BE49-F238E27FC236}">
+                <a16:creationId xmlns:a16="http://schemas.microsoft.com/office/drawing/2014/main" id="{2F48B2F1-FE04-872D-8858-1604B84F52FA}"/>
+              </a:ext>
+            </a:extLst>
+          </p:cNvPr>
+          <p:cNvCxnSpPr>
+            <a:cxnSpLocks/>
+          </p:cNvCxnSpPr>
+          <p:nvPr/>
+        </p:nvCxnSpPr>
+        <p:spPr>
+          <a:xfrm flipV="1">
+            <a:off x="7650425" y="3637267"/>
+            <a:ext cx="1085357" cy="123751"/>
+          </a:xfrm>
+          <a:prstGeom prst="straightConnector1">
+            <a:avLst/>
+          </a:prstGeom>
+          <a:ln>
+            <a:tailEnd type="triangle"/>
+          </a:ln>
+        </p:spPr>
+        <p:style>
+          <a:lnRef idx="1">
+            <a:schemeClr val="accent1"/>
+          </a:lnRef>
+          <a:fillRef idx="0">
+            <a:schemeClr val="accent1"/>
+          </a:fillRef>
+          <a:effectRef idx="0">
+            <a:schemeClr val="accent1"/>
+          </a:effectRef>
+          <a:fontRef idx="minor">
+            <a:schemeClr val="tx1"/>
+          </a:fontRef>
+        </p:style>
+      </p:cxnSp>
+      <p:cxnSp>
+        <p:nvCxnSpPr>
+          <p:cNvPr id="30" name="Straight Arrow Connector 29">
+            <a:extLst>
+              <a:ext uri="{FF2B5EF4-FFF2-40B4-BE49-F238E27FC236}">
+                <a16:creationId xmlns:a16="http://schemas.microsoft.com/office/drawing/2014/main" id="{C62A2ABE-0885-3847-4178-2A081E601623}"/>
+              </a:ext>
+            </a:extLst>
+          </p:cNvPr>
+          <p:cNvCxnSpPr>
+            <a:cxnSpLocks/>
+            <a:stCxn id="23" idx="3"/>
+          </p:cNvCxnSpPr>
+          <p:nvPr/>
+        </p:nvCxnSpPr>
+        <p:spPr>
+          <a:xfrm>
+            <a:off x="7650425" y="2881570"/>
+            <a:ext cx="1085357" cy="436249"/>
+          </a:xfrm>
+          <a:prstGeom prst="straightConnector1">
+            <a:avLst/>
+          </a:prstGeom>
+          <a:ln>
+            <a:tailEnd type="triangle"/>
+          </a:ln>
+        </p:spPr>
+        <p:style>
+          <a:lnRef idx="1">
+            <a:schemeClr val="accent1"/>
+          </a:lnRef>
+          <a:fillRef idx="0">
+            <a:schemeClr val="accent1"/>
+          </a:fillRef>
+          <a:effectRef idx="0">
+            <a:schemeClr val="accent1"/>
+          </a:effectRef>
+          <a:fontRef idx="minor">
+            <a:schemeClr val="tx1"/>
+          </a:fontRef>
+        </p:style>
+      </p:cxnSp>
+      <p:sp>
+        <p:nvSpPr>
+          <p:cNvPr id="43" name="TextBox 42">
+            <a:extLst>
+              <a:ext uri="{FF2B5EF4-FFF2-40B4-BE49-F238E27FC236}">
+                <a16:creationId xmlns:a16="http://schemas.microsoft.com/office/drawing/2014/main" id="{813CB783-29FA-F9D6-695B-CCABE80C63D8}"/>
+              </a:ext>
+            </a:extLst>
+          </p:cNvPr>
+          <p:cNvSpPr txBox="1"/>
+          <p:nvPr/>
+        </p:nvSpPr>
+        <p:spPr>
+          <a:xfrm>
+            <a:off x="4984149" y="4506563"/>
+            <a:ext cx="1971209" cy="443198"/>
+          </a:xfrm>
+          <a:prstGeom prst="rect">
+            <a:avLst/>
+          </a:prstGeom>
+          <a:noFill/>
+          <a:ln>
+            <a:solidFill>
               <a:schemeClr val="accent1"/>
-            </a:effectRef>
-            <a:fontRef idx="minor">
-              <a:schemeClr val="tx1"/>
-            </a:fontRef>
-          </p:style>
-        </p:cxnSp>
-        <p:cxnSp>
-          <p:nvCxnSpPr>
-            <p:cNvPr id="30" name="Straight Arrow Connector 29">
-              <a:extLst>
-                <a:ext uri="{FF2B5EF4-FFF2-40B4-BE49-F238E27FC236}">
-                  <a16:creationId xmlns:a16="http://schemas.microsoft.com/office/drawing/2014/main" id="{C62A2ABE-0885-3847-4178-2A081E601623}"/>
-                </a:ext>
-              </a:extLst>
-            </p:cNvPr>
-            <p:cNvCxnSpPr>
-              <a:cxnSpLocks/>
-              <a:stCxn id="23" idx="3"/>
-            </p:cNvCxnSpPr>
-            <p:nvPr/>
-          </p:nvCxnSpPr>
-          <p:spPr>
-            <a:xfrm>
-              <a:off x="6773222" y="1734449"/>
-              <a:ext cx="904464" cy="363541"/>
-            </a:xfrm>
-            <a:prstGeom prst="straightConnector1">
-              <a:avLst/>
-            </a:prstGeom>
-            <a:ln>
-              <a:tailEnd type="triangle"/>
-            </a:ln>
-          </p:spPr>
-          <p:style>
-            <a:lnRef idx="1">
+            </a:solidFill>
+          </a:ln>
+        </p:spPr>
+        <p:txBody>
+          <a:bodyPr wrap="square" rtlCol="0">
+            <a:spAutoFit/>
+          </a:bodyPr>
+          <a:lstStyle/>
+          <a:p>
+            <a:pPr algn="ctr"/>
+            <a:r>
+              <a:rPr lang="en-US" dirty="0"/>
+              <a:t>Throwing task</a:t>
+            </a:r>
+          </a:p>
+        </p:txBody>
+      </p:sp>
+      <p:sp>
+        <p:nvSpPr>
+          <p:cNvPr id="44" name="TextBox 43">
+            <a:extLst>
+              <a:ext uri="{FF2B5EF4-FFF2-40B4-BE49-F238E27FC236}">
+                <a16:creationId xmlns:a16="http://schemas.microsoft.com/office/drawing/2014/main" id="{9CD5898F-3134-144D-EF45-062D59003E28}"/>
+              </a:ext>
+            </a:extLst>
+          </p:cNvPr>
+          <p:cNvSpPr txBox="1"/>
+          <p:nvPr/>
+        </p:nvSpPr>
+        <p:spPr>
+          <a:xfrm>
+            <a:off x="9538916" y="4561102"/>
+            <a:ext cx="1971209" cy="443198"/>
+          </a:xfrm>
+          <a:prstGeom prst="rect">
+            <a:avLst/>
+          </a:prstGeom>
+          <a:noFill/>
+          <a:ln>
+            <a:solidFill>
               <a:schemeClr val="accent1"/>
-            </a:lnRef>
-            <a:fillRef idx="0">
+            </a:solidFill>
+          </a:ln>
+        </p:spPr>
+        <p:txBody>
+          <a:bodyPr wrap="square" rtlCol="0">
+            <a:spAutoFit/>
+          </a:bodyPr>
+          <a:lstStyle/>
+          <a:p>
+            <a:pPr algn="ctr"/>
+            <a:r>
+              <a:rPr lang="en-US" dirty="0"/>
+              <a:t>Throwing task</a:t>
+            </a:r>
+          </a:p>
+        </p:txBody>
+      </p:sp>
+      <p:sp>
+        <p:nvSpPr>
+          <p:cNvPr id="45" name="TextBox 44">
+            <a:extLst>
+              <a:ext uri="{FF2B5EF4-FFF2-40B4-BE49-F238E27FC236}">
+                <a16:creationId xmlns:a16="http://schemas.microsoft.com/office/drawing/2014/main" id="{9442B8C2-DCC8-B5D8-A500-AE975D476E3B}"/>
+              </a:ext>
+            </a:extLst>
+          </p:cNvPr>
+          <p:cNvSpPr txBox="1"/>
+          <p:nvPr/>
+        </p:nvSpPr>
+        <p:spPr>
+          <a:xfrm>
+            <a:off x="7498179" y="4378970"/>
+            <a:ext cx="1438326" cy="443198"/>
+          </a:xfrm>
+          <a:prstGeom prst="rect">
+            <a:avLst/>
+          </a:prstGeom>
+          <a:noFill/>
+          <a:ln>
+            <a:solidFill>
               <a:schemeClr val="accent1"/>
-            </a:fillRef>
-            <a:effectRef idx="0">
+            </a:solidFill>
+          </a:ln>
+        </p:spPr>
+        <p:txBody>
+          <a:bodyPr wrap="square" rtlCol="0">
+            <a:spAutoFit/>
+          </a:bodyPr>
+          <a:lstStyle/>
+          <a:p>
+            <a:r>
+              <a:rPr lang="en-US" dirty="0"/>
+              <a:t>Table task</a:t>
+            </a:r>
+          </a:p>
+        </p:txBody>
+      </p:sp>
+      <p:sp>
+        <p:nvSpPr>
+          <p:cNvPr id="46" name="TextBox 45">
+            <a:extLst>
+              <a:ext uri="{FF2B5EF4-FFF2-40B4-BE49-F238E27FC236}">
+                <a16:creationId xmlns:a16="http://schemas.microsoft.com/office/drawing/2014/main" id="{110ECE5A-98CF-03A3-3DCA-27D695E38042}"/>
+              </a:ext>
+            </a:extLst>
+          </p:cNvPr>
+          <p:cNvSpPr txBox="1"/>
+          <p:nvPr/>
+        </p:nvSpPr>
+        <p:spPr>
+          <a:xfrm>
+            <a:off x="7495683" y="4827596"/>
+            <a:ext cx="1438326" cy="443198"/>
+          </a:xfrm>
+          <a:prstGeom prst="rect">
+            <a:avLst/>
+          </a:prstGeom>
+          <a:noFill/>
+          <a:ln>
+            <a:solidFill>
               <a:schemeClr val="accent1"/>
-            </a:effectRef>
-            <a:fontRef idx="minor">
-              <a:schemeClr val="tx1"/>
-            </a:fontRef>
-          </p:style>
-        </p:cxnSp>
-        <p:sp>
-          <p:nvSpPr>
-            <p:cNvPr id="43" name="TextBox 42">
-              <a:extLst>
-                <a:ext uri="{FF2B5EF4-FFF2-40B4-BE49-F238E27FC236}">
-                  <a16:creationId xmlns:a16="http://schemas.microsoft.com/office/drawing/2014/main" id="{813CB783-29FA-F9D6-695B-CCABE80C63D8}"/>
-                </a:ext>
-              </a:extLst>
-            </p:cNvPr>
-            <p:cNvSpPr txBox="1"/>
-            <p:nvPr/>
-          </p:nvSpPr>
-          <p:spPr>
-            <a:xfrm>
-              <a:off x="4551326" y="3088610"/>
-              <a:ext cx="1642674" cy="369332"/>
-            </a:xfrm>
-            <a:prstGeom prst="rect">
-              <a:avLst/>
-            </a:prstGeom>
-            <a:noFill/>
-            <a:ln>
-              <a:solidFill>
-                <a:schemeClr val="accent1"/>
-              </a:solidFill>
-            </a:ln>
-          </p:spPr>
-          <p:txBody>
-            <a:bodyPr wrap="square" rtlCol="0">
-              <a:spAutoFit/>
-            </a:bodyPr>
-            <a:lstStyle/>
-            <a:p>
-              <a:pPr algn="ctr"/>
-              <a:r>
-                <a:rPr lang="en-US" dirty="0"/>
-                <a:t>Throwing task</a:t>
-              </a:r>
-            </a:p>
-          </p:txBody>
-        </p:sp>
-        <p:sp>
-          <p:nvSpPr>
-            <p:cNvPr id="44" name="TextBox 43">
-              <a:extLst>
-                <a:ext uri="{FF2B5EF4-FFF2-40B4-BE49-F238E27FC236}">
-                  <a16:creationId xmlns:a16="http://schemas.microsoft.com/office/drawing/2014/main" id="{9CD5898F-3134-144D-EF45-062D59003E28}"/>
-                </a:ext>
-              </a:extLst>
-            </p:cNvPr>
-            <p:cNvSpPr txBox="1"/>
-            <p:nvPr/>
-          </p:nvSpPr>
-          <p:spPr>
-            <a:xfrm>
-              <a:off x="8346965" y="3134059"/>
-              <a:ext cx="1642674" cy="369332"/>
-            </a:xfrm>
-            <a:prstGeom prst="rect">
-              <a:avLst/>
-            </a:prstGeom>
-            <a:noFill/>
-            <a:ln>
-              <a:solidFill>
-                <a:schemeClr val="accent1"/>
-              </a:solidFill>
-            </a:ln>
-          </p:spPr>
-          <p:txBody>
-            <a:bodyPr wrap="square" rtlCol="0">
-              <a:spAutoFit/>
-            </a:bodyPr>
-            <a:lstStyle/>
-            <a:p>
-              <a:pPr algn="ctr"/>
-              <a:r>
-                <a:rPr lang="en-US" dirty="0"/>
-                <a:t>Throwing task</a:t>
-              </a:r>
-            </a:p>
-          </p:txBody>
-        </p:sp>
-        <p:sp>
-          <p:nvSpPr>
-            <p:cNvPr id="45" name="TextBox 44">
-              <a:extLst>
-                <a:ext uri="{FF2B5EF4-FFF2-40B4-BE49-F238E27FC236}">
-                  <a16:creationId xmlns:a16="http://schemas.microsoft.com/office/drawing/2014/main" id="{9442B8C2-DCC8-B5D8-A500-AE975D476E3B}"/>
-                </a:ext>
-              </a:extLst>
-            </p:cNvPr>
-            <p:cNvSpPr txBox="1"/>
-            <p:nvPr/>
-          </p:nvSpPr>
-          <p:spPr>
-            <a:xfrm>
-              <a:off x="6646351" y="2982282"/>
-              <a:ext cx="1198605" cy="369332"/>
-            </a:xfrm>
-            <a:prstGeom prst="rect">
-              <a:avLst/>
-            </a:prstGeom>
-            <a:noFill/>
-            <a:ln>
-              <a:solidFill>
-                <a:schemeClr val="accent1"/>
-              </a:solidFill>
-            </a:ln>
-          </p:spPr>
-          <p:txBody>
-            <a:bodyPr wrap="square" rtlCol="0">
-              <a:spAutoFit/>
-            </a:bodyPr>
-            <a:lstStyle/>
-            <a:p>
-              <a:r>
-                <a:rPr lang="en-US" dirty="0"/>
-                <a:t>Table task</a:t>
-              </a:r>
-            </a:p>
-          </p:txBody>
-        </p:sp>
-        <p:sp>
-          <p:nvSpPr>
-            <p:cNvPr id="46" name="TextBox 45">
-              <a:extLst>
-                <a:ext uri="{FF2B5EF4-FFF2-40B4-BE49-F238E27FC236}">
-                  <a16:creationId xmlns:a16="http://schemas.microsoft.com/office/drawing/2014/main" id="{110ECE5A-98CF-03A3-3DCA-27D695E38042}"/>
-                </a:ext>
-              </a:extLst>
-            </p:cNvPr>
-            <p:cNvSpPr txBox="1"/>
-            <p:nvPr/>
-          </p:nvSpPr>
-          <p:spPr>
-            <a:xfrm>
-              <a:off x="6644271" y="3356137"/>
-              <a:ext cx="1198605" cy="369332"/>
-            </a:xfrm>
-            <a:prstGeom prst="rect">
-              <a:avLst/>
-            </a:prstGeom>
-            <a:noFill/>
-            <a:ln>
-              <a:solidFill>
-                <a:schemeClr val="accent1"/>
-              </a:solidFill>
-            </a:ln>
-          </p:spPr>
-          <p:txBody>
-            <a:bodyPr wrap="square" rtlCol="0">
-              <a:spAutoFit/>
-            </a:bodyPr>
-            <a:lstStyle/>
-            <a:p>
-              <a:r>
-                <a:rPr lang="en-US" dirty="0" err="1"/>
-                <a:t>Sodoku</a:t>
-              </a:r>
-              <a:endParaRPr lang="en-US" dirty="0"/>
-            </a:p>
-          </p:txBody>
-        </p:sp>
-        <p:cxnSp>
-          <p:nvCxnSpPr>
-            <p:cNvPr id="47" name="Straight Arrow Connector 46">
-              <a:extLst>
-                <a:ext uri="{FF2B5EF4-FFF2-40B4-BE49-F238E27FC236}">
-                  <a16:creationId xmlns:a16="http://schemas.microsoft.com/office/drawing/2014/main" id="{E9C11D41-A9A9-9790-F473-02576FDACA46}"/>
-                </a:ext>
-              </a:extLst>
-            </p:cNvPr>
-            <p:cNvCxnSpPr>
-              <a:cxnSpLocks/>
-            </p:cNvCxnSpPr>
-            <p:nvPr/>
-          </p:nvCxnSpPr>
-          <p:spPr>
-            <a:xfrm>
-              <a:off x="7844956" y="3168341"/>
-              <a:ext cx="502009" cy="51771"/>
-            </a:xfrm>
-            <a:prstGeom prst="straightConnector1">
-              <a:avLst/>
-            </a:prstGeom>
-            <a:ln>
-              <a:tailEnd type="triangle"/>
-            </a:ln>
-          </p:spPr>
-          <p:style>
-            <a:lnRef idx="1">
-              <a:schemeClr val="accent1"/>
-            </a:lnRef>
-            <a:fillRef idx="0">
-              <a:schemeClr val="accent1"/>
-            </a:fillRef>
-            <a:effectRef idx="0">
-              <a:schemeClr val="accent1"/>
-            </a:effectRef>
-            <a:fontRef idx="minor">
-              <a:schemeClr val="tx1"/>
-            </a:fontRef>
-          </p:style>
-        </p:cxnSp>
-        <p:cxnSp>
-          <p:nvCxnSpPr>
-            <p:cNvPr id="48" name="Straight Arrow Connector 47">
-              <a:extLst>
-                <a:ext uri="{FF2B5EF4-FFF2-40B4-BE49-F238E27FC236}">
-                  <a16:creationId xmlns:a16="http://schemas.microsoft.com/office/drawing/2014/main" id="{06FBC2BE-A14F-7A22-14D3-351B5891A418}"/>
-                </a:ext>
-              </a:extLst>
-            </p:cNvPr>
-            <p:cNvCxnSpPr>
-              <a:cxnSpLocks/>
-              <a:stCxn id="46" idx="3"/>
-            </p:cNvCxnSpPr>
-            <p:nvPr/>
-          </p:nvCxnSpPr>
-          <p:spPr>
-            <a:xfrm flipV="1">
-              <a:off x="7842876" y="3396742"/>
-              <a:ext cx="504089" cy="144061"/>
-            </a:xfrm>
-            <a:prstGeom prst="straightConnector1">
-              <a:avLst/>
-            </a:prstGeom>
-            <a:ln>
-              <a:tailEnd type="triangle"/>
-            </a:ln>
-          </p:spPr>
-          <p:style>
-            <a:lnRef idx="1">
-              <a:schemeClr val="accent1"/>
-            </a:lnRef>
-            <a:fillRef idx="0">
-              <a:schemeClr val="accent1"/>
-            </a:fillRef>
-            <a:effectRef idx="0">
-              <a:schemeClr val="accent1"/>
-            </a:effectRef>
-            <a:fontRef idx="minor">
-              <a:schemeClr val="tx1"/>
-            </a:fontRef>
-          </p:style>
-        </p:cxnSp>
-        <p:cxnSp>
-          <p:nvCxnSpPr>
-            <p:cNvPr id="50" name="Straight Arrow Connector 49">
-              <a:extLst>
-                <a:ext uri="{FF2B5EF4-FFF2-40B4-BE49-F238E27FC236}">
-                  <a16:creationId xmlns:a16="http://schemas.microsoft.com/office/drawing/2014/main" id="{E9077007-3532-97AD-8430-5A0B88AD54EE}"/>
-                </a:ext>
-              </a:extLst>
-            </p:cNvPr>
-            <p:cNvCxnSpPr>
-              <a:cxnSpLocks/>
-              <a:stCxn id="43" idx="3"/>
-              <a:endCxn id="45" idx="1"/>
-            </p:cNvCxnSpPr>
-            <p:nvPr/>
-          </p:nvCxnSpPr>
-          <p:spPr>
-            <a:xfrm flipV="1">
-              <a:off x="6194000" y="3166948"/>
-              <a:ext cx="452351" cy="106328"/>
-            </a:xfrm>
-            <a:prstGeom prst="straightConnector1">
-              <a:avLst/>
-            </a:prstGeom>
-            <a:ln>
-              <a:tailEnd type="triangle"/>
-            </a:ln>
-          </p:spPr>
-          <p:style>
-            <a:lnRef idx="1">
-              <a:schemeClr val="accent1"/>
-            </a:lnRef>
-            <a:fillRef idx="0">
-              <a:schemeClr val="accent1"/>
-            </a:fillRef>
-            <a:effectRef idx="0">
-              <a:schemeClr val="accent1"/>
-            </a:effectRef>
-            <a:fontRef idx="minor">
-              <a:schemeClr val="tx1"/>
-            </a:fontRef>
-          </p:style>
-        </p:cxnSp>
-        <p:cxnSp>
-          <p:nvCxnSpPr>
-            <p:cNvPr id="51" name="Straight Arrow Connector 50">
-              <a:extLst>
-                <a:ext uri="{FF2B5EF4-FFF2-40B4-BE49-F238E27FC236}">
-                  <a16:creationId xmlns:a16="http://schemas.microsoft.com/office/drawing/2014/main" id="{345412E0-1E1B-9DB7-6C4F-9D0145939372}"/>
-                </a:ext>
-              </a:extLst>
-            </p:cNvPr>
-            <p:cNvCxnSpPr>
-              <a:cxnSpLocks/>
-              <a:stCxn id="43" idx="3"/>
-              <a:endCxn id="46" idx="1"/>
-            </p:cNvCxnSpPr>
-            <p:nvPr/>
-          </p:nvCxnSpPr>
-          <p:spPr>
-            <a:xfrm>
-              <a:off x="6194000" y="3273275"/>
-              <a:ext cx="450271" cy="267528"/>
-            </a:xfrm>
-            <a:prstGeom prst="straightConnector1">
-              <a:avLst/>
-            </a:prstGeom>
-            <a:ln>
-              <a:tailEnd type="triangle"/>
-            </a:ln>
-          </p:spPr>
-          <p:style>
-            <a:lnRef idx="1">
-              <a:schemeClr val="accent1"/>
-            </a:lnRef>
-            <a:fillRef idx="0">
-              <a:schemeClr val="accent1"/>
-            </a:fillRef>
-            <a:effectRef idx="0">
-              <a:schemeClr val="accent1"/>
-            </a:effectRef>
-            <a:fontRef idx="minor">
-              <a:schemeClr val="tx1"/>
-            </a:fontRef>
-          </p:style>
-        </p:cxnSp>
-      </p:grpSp>
+            </a:solidFill>
+          </a:ln>
+        </p:spPr>
+        <p:txBody>
+          <a:bodyPr wrap="square" rtlCol="0">
+            <a:spAutoFit/>
+          </a:bodyPr>
+          <a:lstStyle/>
+          <a:p>
+            <a:r>
+              <a:rPr lang="en-US" dirty="0" err="1"/>
+              <a:t>Sodoku</a:t>
+            </a:r>
+            <a:endParaRPr lang="en-US" dirty="0"/>
+          </a:p>
+        </p:txBody>
+      </p:sp>
+      <p:cxnSp>
+        <p:nvCxnSpPr>
+          <p:cNvPr id="47" name="Straight Arrow Connector 46">
+            <a:extLst>
+              <a:ext uri="{FF2B5EF4-FFF2-40B4-BE49-F238E27FC236}">
+                <a16:creationId xmlns:a16="http://schemas.microsoft.com/office/drawing/2014/main" id="{E9C11D41-A9A9-9790-F473-02576FDACA46}"/>
+              </a:ext>
+            </a:extLst>
+          </p:cNvPr>
+          <p:cNvCxnSpPr>
+            <a:cxnSpLocks/>
+          </p:cNvCxnSpPr>
+          <p:nvPr/>
+        </p:nvCxnSpPr>
+        <p:spPr>
+          <a:xfrm>
+            <a:off x="8936505" y="4602241"/>
+            <a:ext cx="602411" cy="62125"/>
+          </a:xfrm>
+          <a:prstGeom prst="straightConnector1">
+            <a:avLst/>
+          </a:prstGeom>
+          <a:ln>
+            <a:tailEnd type="triangle"/>
+          </a:ln>
+        </p:spPr>
+        <p:style>
+          <a:lnRef idx="1">
+            <a:schemeClr val="accent1"/>
+          </a:lnRef>
+          <a:fillRef idx="0">
+            <a:schemeClr val="accent1"/>
+          </a:fillRef>
+          <a:effectRef idx="0">
+            <a:schemeClr val="accent1"/>
+          </a:effectRef>
+          <a:fontRef idx="minor">
+            <a:schemeClr val="tx1"/>
+          </a:fontRef>
+        </p:style>
+      </p:cxnSp>
+      <p:cxnSp>
+        <p:nvCxnSpPr>
+          <p:cNvPr id="48" name="Straight Arrow Connector 47">
+            <a:extLst>
+              <a:ext uri="{FF2B5EF4-FFF2-40B4-BE49-F238E27FC236}">
+                <a16:creationId xmlns:a16="http://schemas.microsoft.com/office/drawing/2014/main" id="{06FBC2BE-A14F-7A22-14D3-351B5891A418}"/>
+              </a:ext>
+            </a:extLst>
+          </p:cNvPr>
+          <p:cNvCxnSpPr>
+            <a:cxnSpLocks/>
+            <a:stCxn id="46" idx="3"/>
+          </p:cNvCxnSpPr>
+          <p:nvPr/>
+        </p:nvCxnSpPr>
+        <p:spPr>
+          <a:xfrm flipV="1">
+            <a:off x="8934009" y="4876322"/>
+            <a:ext cx="604907" cy="172873"/>
+          </a:xfrm>
+          <a:prstGeom prst="straightConnector1">
+            <a:avLst/>
+          </a:prstGeom>
+          <a:ln>
+            <a:tailEnd type="triangle"/>
+          </a:ln>
+        </p:spPr>
+        <p:style>
+          <a:lnRef idx="1">
+            <a:schemeClr val="accent1"/>
+          </a:lnRef>
+          <a:fillRef idx="0">
+            <a:schemeClr val="accent1"/>
+          </a:fillRef>
+          <a:effectRef idx="0">
+            <a:schemeClr val="accent1"/>
+          </a:effectRef>
+          <a:fontRef idx="minor">
+            <a:schemeClr val="tx1"/>
+          </a:fontRef>
+        </p:style>
+      </p:cxnSp>
+      <p:cxnSp>
+        <p:nvCxnSpPr>
+          <p:cNvPr id="50" name="Straight Arrow Connector 49">
+            <a:extLst>
+              <a:ext uri="{FF2B5EF4-FFF2-40B4-BE49-F238E27FC236}">
+                <a16:creationId xmlns:a16="http://schemas.microsoft.com/office/drawing/2014/main" id="{E9077007-3532-97AD-8430-5A0B88AD54EE}"/>
+              </a:ext>
+            </a:extLst>
+          </p:cNvPr>
+          <p:cNvCxnSpPr>
+            <a:cxnSpLocks/>
+            <a:stCxn id="43" idx="3"/>
+            <a:endCxn id="45" idx="1"/>
+          </p:cNvCxnSpPr>
+          <p:nvPr/>
+        </p:nvCxnSpPr>
+        <p:spPr>
+          <a:xfrm flipV="1">
+            <a:off x="6955358" y="4600569"/>
+            <a:ext cx="542821" cy="127594"/>
+          </a:xfrm>
+          <a:prstGeom prst="straightConnector1">
+            <a:avLst/>
+          </a:prstGeom>
+          <a:ln>
+            <a:tailEnd type="triangle"/>
+          </a:ln>
+        </p:spPr>
+        <p:style>
+          <a:lnRef idx="1">
+            <a:schemeClr val="accent1"/>
+          </a:lnRef>
+          <a:fillRef idx="0">
+            <a:schemeClr val="accent1"/>
+          </a:fillRef>
+          <a:effectRef idx="0">
+            <a:schemeClr val="accent1"/>
+          </a:effectRef>
+          <a:fontRef idx="minor">
+            <a:schemeClr val="tx1"/>
+          </a:fontRef>
+        </p:style>
+      </p:cxnSp>
+      <p:cxnSp>
+        <p:nvCxnSpPr>
+          <p:cNvPr id="51" name="Straight Arrow Connector 50">
+            <a:extLst>
+              <a:ext uri="{FF2B5EF4-FFF2-40B4-BE49-F238E27FC236}">
+                <a16:creationId xmlns:a16="http://schemas.microsoft.com/office/drawing/2014/main" id="{345412E0-1E1B-9DB7-6C4F-9D0145939372}"/>
+              </a:ext>
+            </a:extLst>
+          </p:cNvPr>
+          <p:cNvCxnSpPr>
+            <a:cxnSpLocks/>
+            <a:stCxn id="43" idx="3"/>
+            <a:endCxn id="46" idx="1"/>
+          </p:cNvCxnSpPr>
+          <p:nvPr/>
+        </p:nvCxnSpPr>
+        <p:spPr>
+          <a:xfrm>
+            <a:off x="6955358" y="4728161"/>
+            <a:ext cx="540325" cy="321034"/>
+          </a:xfrm>
+          <a:prstGeom prst="straightConnector1">
+            <a:avLst/>
+          </a:prstGeom>
+          <a:ln>
+            <a:tailEnd type="triangle"/>
+          </a:ln>
+        </p:spPr>
+        <p:style>
+          <a:lnRef idx="1">
+            <a:schemeClr val="accent1"/>
+          </a:lnRef>
+          <a:fillRef idx="0">
+            <a:schemeClr val="accent1"/>
+          </a:fillRef>
+          <a:effectRef idx="0">
+            <a:schemeClr val="accent1"/>
+          </a:effectRef>
+          <a:fontRef idx="minor">
+            <a:schemeClr val="tx1"/>
+          </a:fontRef>
+        </p:style>
+      </p:cxnSp>
     </p:spTree>
     <p:extLst>
       <p:ext uri="{BB962C8B-B14F-4D97-AF65-F5344CB8AC3E}">

--- a/Experiment 1/FigureE1Methods.pptx
+++ b/Experiment 1/FigureE1Methods.pptx
@@ -104,6 +104,11 @@
       </a:defRPr>
     </a:lvl9pPr>
   </p:defaultTextStyle>
+  <p:extLst>
+    <p:ext uri="{EFAFB233-063F-42B5-8137-9DF3F51BA10A}">
+      <p15:sldGuideLst xmlns:p15="http://schemas.microsoft.com/office/powerpoint/2012/main"/>
+    </p:ext>
+  </p:extLst>
 </p:presentation>
 </file>
 
@@ -256,7 +261,7 @@
           <a:p>
             <a:fld id="{7D04BBDE-D450-9B45-8D9C-6DC474680EED}" type="datetimeFigureOut">
               <a:rPr lang="en-US" smtClean="0"/>
-              <a:t>11/1/24</a:t>
+              <a:t>11/6/24</a:t>
             </a:fld>
             <a:endParaRPr lang="en-US"/>
           </a:p>
@@ -456,7 +461,7 @@
           <a:p>
             <a:fld id="{7D04BBDE-D450-9B45-8D9C-6DC474680EED}" type="datetimeFigureOut">
               <a:rPr lang="en-US" smtClean="0"/>
-              <a:t>11/1/24</a:t>
+              <a:t>11/6/24</a:t>
             </a:fld>
             <a:endParaRPr lang="en-US"/>
           </a:p>
@@ -666,7 +671,7 @@
           <a:p>
             <a:fld id="{7D04BBDE-D450-9B45-8D9C-6DC474680EED}" type="datetimeFigureOut">
               <a:rPr lang="en-US" smtClean="0"/>
-              <a:t>11/1/24</a:t>
+              <a:t>11/6/24</a:t>
             </a:fld>
             <a:endParaRPr lang="en-US"/>
           </a:p>
@@ -866,7 +871,7 @@
           <a:p>
             <a:fld id="{7D04BBDE-D450-9B45-8D9C-6DC474680EED}" type="datetimeFigureOut">
               <a:rPr lang="en-US" smtClean="0"/>
-              <a:t>11/1/24</a:t>
+              <a:t>11/6/24</a:t>
             </a:fld>
             <a:endParaRPr lang="en-US"/>
           </a:p>
@@ -1142,7 +1147,7 @@
           <a:p>
             <a:fld id="{7D04BBDE-D450-9B45-8D9C-6DC474680EED}" type="datetimeFigureOut">
               <a:rPr lang="en-US" smtClean="0"/>
-              <a:t>11/1/24</a:t>
+              <a:t>11/6/24</a:t>
             </a:fld>
             <a:endParaRPr lang="en-US"/>
           </a:p>
@@ -1410,7 +1415,7 @@
           <a:p>
             <a:fld id="{7D04BBDE-D450-9B45-8D9C-6DC474680EED}" type="datetimeFigureOut">
               <a:rPr lang="en-US" smtClean="0"/>
-              <a:t>11/1/24</a:t>
+              <a:t>11/6/24</a:t>
             </a:fld>
             <a:endParaRPr lang="en-US"/>
           </a:p>
@@ -1825,7 +1830,7 @@
           <a:p>
             <a:fld id="{7D04BBDE-D450-9B45-8D9C-6DC474680EED}" type="datetimeFigureOut">
               <a:rPr lang="en-US" smtClean="0"/>
-              <a:t>11/1/24</a:t>
+              <a:t>11/6/24</a:t>
             </a:fld>
             <a:endParaRPr lang="en-US"/>
           </a:p>
@@ -1967,7 +1972,7 @@
           <a:p>
             <a:fld id="{7D04BBDE-D450-9B45-8D9C-6DC474680EED}" type="datetimeFigureOut">
               <a:rPr lang="en-US" smtClean="0"/>
-              <a:t>11/1/24</a:t>
+              <a:t>11/6/24</a:t>
             </a:fld>
             <a:endParaRPr lang="en-US"/>
           </a:p>
@@ -2080,7 +2085,7 @@
           <a:p>
             <a:fld id="{7D04BBDE-D450-9B45-8D9C-6DC474680EED}" type="datetimeFigureOut">
               <a:rPr lang="en-US" smtClean="0"/>
-              <a:t>11/1/24</a:t>
+              <a:t>11/6/24</a:t>
             </a:fld>
             <a:endParaRPr lang="en-US"/>
           </a:p>
@@ -2393,7 +2398,7 @@
           <a:p>
             <a:fld id="{7D04BBDE-D450-9B45-8D9C-6DC474680EED}" type="datetimeFigureOut">
               <a:rPr lang="en-US" smtClean="0"/>
-              <a:t>11/1/24</a:t>
+              <a:t>11/6/24</a:t>
             </a:fld>
             <a:endParaRPr lang="en-US"/>
           </a:p>
@@ -2682,7 +2687,7 @@
           <a:p>
             <a:fld id="{7D04BBDE-D450-9B45-8D9C-6DC474680EED}" type="datetimeFigureOut">
               <a:rPr lang="en-US" smtClean="0"/>
-              <a:t>11/1/24</a:t>
+              <a:t>11/6/24</a:t>
             </a:fld>
             <a:endParaRPr lang="en-US"/>
           </a:p>
@@ -2925,7 +2930,7 @@
           <a:p>
             <a:fld id="{7D04BBDE-D450-9B45-8D9C-6DC474680EED}" type="datetimeFigureOut">
               <a:rPr lang="en-US" smtClean="0"/>
-              <a:t>11/1/24</a:t>
+              <a:t>11/6/24</a:t>
             </a:fld>
             <a:endParaRPr lang="en-US"/>
           </a:p>
@@ -3356,8 +3361,8 @@
         </p:nvSpPr>
         <p:spPr>
           <a:xfrm>
-            <a:off x="7319697" y="1653026"/>
-            <a:ext cx="2085796" cy="443198"/>
+            <a:off x="9538915" y="633328"/>
+            <a:ext cx="1971210" cy="369332"/>
           </a:xfrm>
           <a:prstGeom prst="rect">
             <a:avLst/>
@@ -3397,7 +3402,7 @@
         </p:nvSpPr>
         <p:spPr>
           <a:xfrm>
-            <a:off x="3260669" y="1561220"/>
+            <a:off x="3208286" y="661177"/>
             <a:ext cx="1897998" cy="443198"/>
           </a:xfrm>
           <a:prstGeom prst="rect">
@@ -3432,7 +3437,7 @@
         </p:nvSpPr>
         <p:spPr>
           <a:xfrm>
-            <a:off x="3260668" y="2937751"/>
+            <a:off x="3229044" y="2094546"/>
             <a:ext cx="1897998" cy="443198"/>
           </a:xfrm>
           <a:prstGeom prst="rect">
@@ -3467,7 +3472,7 @@
         </p:nvSpPr>
         <p:spPr>
           <a:xfrm>
-            <a:off x="3229044" y="4498925"/>
+            <a:off x="3229044" y="3553064"/>
             <a:ext cx="1897998" cy="443198"/>
           </a:xfrm>
           <a:prstGeom prst="rect">
@@ -3502,8 +3507,8 @@
         </p:nvSpPr>
         <p:spPr>
           <a:xfrm>
-            <a:off x="5036120" y="1421516"/>
-            <a:ext cx="1438326" cy="443198"/>
+            <a:off x="5036119" y="491870"/>
+            <a:ext cx="1448187" cy="369332"/>
           </a:xfrm>
           <a:prstGeom prst="rect">
             <a:avLst/>
@@ -3542,7 +3547,7 @@
         </p:nvGrpSpPr>
         <p:grpSpPr>
           <a:xfrm>
-            <a:off x="459522" y="1421516"/>
+            <a:off x="364720" y="364003"/>
             <a:ext cx="2663190" cy="1817370"/>
             <a:chOff x="2328736" y="2016853"/>
             <a:chExt cx="2219325" cy="1514475"/>
@@ -3628,7 +3633,7 @@
         </p:nvGrpSpPr>
         <p:grpSpPr>
           <a:xfrm>
-            <a:off x="468719" y="3619113"/>
+            <a:off x="373917" y="2561600"/>
             <a:ext cx="2663190" cy="1817370"/>
             <a:chOff x="2328736" y="3638293"/>
             <a:chExt cx="2219325" cy="1514475"/>
@@ -3718,7 +3723,7 @@
         </p:nvSpPr>
         <p:spPr>
           <a:xfrm>
-            <a:off x="5045981" y="1870143"/>
+            <a:off x="5045981" y="866927"/>
             <a:ext cx="1438326" cy="443198"/>
           </a:xfrm>
           <a:prstGeom prst="rect">
@@ -3760,8 +3765,8 @@
         </p:nvCxnSpPr>
         <p:spPr>
           <a:xfrm>
-            <a:off x="6474446" y="1687815"/>
-            <a:ext cx="845251" cy="45473"/>
+            <a:off x="6474446" y="684599"/>
+            <a:ext cx="2940022" cy="36792"/>
           </a:xfrm>
           <a:prstGeom prst="straightConnector1">
             <a:avLst/>
@@ -3803,8 +3808,8 @@
         </p:nvCxnSpPr>
         <p:spPr>
           <a:xfrm flipV="1">
-            <a:off x="6484307" y="1874625"/>
-            <a:ext cx="835390" cy="217117"/>
+            <a:off x="6484307" y="817994"/>
+            <a:ext cx="3054608" cy="270532"/>
           </a:xfrm>
           <a:prstGeom prst="straightConnector1">
             <a:avLst/>
@@ -3842,7 +3847,7 @@
         </p:nvSpPr>
         <p:spPr>
           <a:xfrm>
-            <a:off x="4989732" y="2659971"/>
+            <a:off x="4989732" y="1656755"/>
             <a:ext cx="2660693" cy="443198"/>
           </a:xfrm>
           <a:prstGeom prst="rect">
@@ -3882,7 +3887,7 @@
         </p:nvSpPr>
         <p:spPr>
           <a:xfrm>
-            <a:off x="4987236" y="3103170"/>
+            <a:off x="4987236" y="2099954"/>
             <a:ext cx="2663189" cy="443198"/>
           </a:xfrm>
           <a:prstGeom prst="rect">
@@ -3922,7 +3927,7 @@
         </p:nvSpPr>
         <p:spPr>
           <a:xfrm>
-            <a:off x="4987236" y="3551776"/>
+            <a:off x="4987236" y="2548560"/>
             <a:ext cx="2663189" cy="443198"/>
           </a:xfrm>
           <a:prstGeom prst="rect">
@@ -3962,8 +3967,8 @@
         </p:nvSpPr>
         <p:spPr>
           <a:xfrm>
-            <a:off x="8735781" y="3284968"/>
-            <a:ext cx="2085796" cy="443198"/>
+            <a:off x="9538915" y="2196943"/>
+            <a:ext cx="1971210" cy="369332"/>
           </a:xfrm>
           <a:prstGeom prst="rect">
             <a:avLst/>
@@ -4007,8 +4012,8 @@
         </p:nvCxnSpPr>
         <p:spPr>
           <a:xfrm>
-            <a:off x="7650425" y="3324769"/>
-            <a:ext cx="1085357" cy="181799"/>
+            <a:off x="7650425" y="2321553"/>
+            <a:ext cx="1888490" cy="60056"/>
           </a:xfrm>
           <a:prstGeom prst="straightConnector1">
             <a:avLst/>
@@ -4048,8 +4053,8 @@
         </p:nvCxnSpPr>
         <p:spPr>
           <a:xfrm flipV="1">
-            <a:off x="7650425" y="3637267"/>
-            <a:ext cx="1085357" cy="123751"/>
+            <a:off x="7666137" y="2548560"/>
+            <a:ext cx="1758192" cy="156988"/>
           </a:xfrm>
           <a:prstGeom prst="straightConnector1">
             <a:avLst/>
@@ -4090,8 +4095,8 @@
         </p:nvCxnSpPr>
         <p:spPr>
           <a:xfrm>
-            <a:off x="7650425" y="2881570"/>
-            <a:ext cx="1085357" cy="436249"/>
+            <a:off x="7650425" y="1878354"/>
+            <a:ext cx="1758192" cy="443198"/>
           </a:xfrm>
           <a:prstGeom prst="straightConnector1">
             <a:avLst/>
@@ -4129,8 +4134,8 @@
         </p:nvSpPr>
         <p:spPr>
           <a:xfrm>
-            <a:off x="4984149" y="4506563"/>
-            <a:ext cx="1971209" cy="443198"/>
+            <a:off x="4984149" y="3503347"/>
+            <a:ext cx="1971209" cy="646331"/>
           </a:xfrm>
           <a:prstGeom prst="rect">
             <a:avLst/>
@@ -4151,6 +4156,13 @@
             <a:pPr algn="ctr"/>
             <a:r>
               <a:rPr lang="en-US" dirty="0"/>
+              <a:t>skill test +</a:t>
+            </a:r>
+          </a:p>
+          <a:p>
+            <a:pPr algn="ctr"/>
+            <a:r>
+              <a:rPr lang="en-US" dirty="0"/>
               <a:t>Throwing task</a:t>
             </a:r>
           </a:p>
@@ -4170,8 +4182,8 @@
         </p:nvSpPr>
         <p:spPr>
           <a:xfrm>
-            <a:off x="9538916" y="4561102"/>
-            <a:ext cx="1971209" cy="443198"/>
+            <a:off x="9538916" y="3557886"/>
+            <a:ext cx="1971209" cy="646331"/>
           </a:xfrm>
           <a:prstGeom prst="rect">
             <a:avLst/>
@@ -4195,6 +4207,13 @@
               <a:t>Throwing task</a:t>
             </a:r>
           </a:p>
+          <a:p>
+            <a:pPr algn="ctr"/>
+            <a:r>
+              <a:rPr lang="en-US" dirty="0"/>
+              <a:t>+ skill test</a:t>
+            </a:r>
+          </a:p>
         </p:txBody>
       </p:sp>
       <p:sp>
@@ -4211,7 +4230,7 @@
         </p:nvSpPr>
         <p:spPr>
           <a:xfrm>
-            <a:off x="7498179" y="4378970"/>
+            <a:off x="7498179" y="3375754"/>
             <a:ext cx="1438326" cy="443198"/>
           </a:xfrm>
           <a:prstGeom prst="rect">
@@ -4251,7 +4270,7 @@
         </p:nvSpPr>
         <p:spPr>
           <a:xfrm>
-            <a:off x="7495683" y="4827596"/>
+            <a:off x="7495683" y="3824380"/>
             <a:ext cx="1438326" cy="443198"/>
           </a:xfrm>
           <a:prstGeom prst="rect">
@@ -4294,7 +4313,7 @@
         </p:nvCxnSpPr>
         <p:spPr>
           <a:xfrm>
-            <a:off x="8936505" y="4602241"/>
+            <a:off x="8936505" y="3599025"/>
             <a:ext cx="602411" cy="62125"/>
           </a:xfrm>
           <a:prstGeom prst="straightConnector1">
@@ -4336,7 +4355,7 @@
         </p:nvCxnSpPr>
         <p:spPr>
           <a:xfrm flipV="1">
-            <a:off x="8934009" y="4876322"/>
+            <a:off x="8934009" y="3873106"/>
             <a:ext cx="604907" cy="172873"/>
           </a:xfrm>
           <a:prstGeom prst="straightConnector1">
@@ -4379,8 +4398,8 @@
         </p:nvCxnSpPr>
         <p:spPr>
           <a:xfrm flipV="1">
-            <a:off x="6955358" y="4600569"/>
-            <a:ext cx="542821" cy="127594"/>
+            <a:off x="6955358" y="3597353"/>
+            <a:ext cx="542821" cy="229160"/>
           </a:xfrm>
           <a:prstGeom prst="straightConnector1">
             <a:avLst/>
@@ -4422,8 +4441,8 @@
         </p:nvCxnSpPr>
         <p:spPr>
           <a:xfrm>
-            <a:off x="6955358" y="4728161"/>
-            <a:ext cx="540325" cy="321034"/>
+            <a:off x="6955358" y="3826513"/>
+            <a:ext cx="540325" cy="219466"/>
           </a:xfrm>
           <a:prstGeom prst="straightConnector1">
             <a:avLst/>
@@ -4447,6 +4466,488 @@
           </a:fontRef>
         </p:style>
       </p:cxnSp>
+      <p:sp>
+        <p:nvSpPr>
+          <p:cNvPr id="4" name="Rectangle 3">
+            <a:extLst>
+              <a:ext uri="{FF2B5EF4-FFF2-40B4-BE49-F238E27FC236}">
+                <a16:creationId xmlns:a16="http://schemas.microsoft.com/office/drawing/2014/main" id="{877974DE-B1CD-F52E-49F8-890C496054C2}"/>
+              </a:ext>
+            </a:extLst>
+          </p:cNvPr>
+          <p:cNvSpPr/>
+          <p:nvPr/>
+        </p:nvSpPr>
+        <p:spPr>
+          <a:xfrm>
+            <a:off x="373917" y="4561102"/>
+            <a:ext cx="2653993" cy="1817370"/>
+          </a:xfrm>
+          <a:prstGeom prst="rect">
+            <a:avLst/>
+          </a:prstGeom>
+          <a:solidFill>
+            <a:srgbClr val="53585D"/>
+          </a:solidFill>
+        </p:spPr>
+        <p:style>
+          <a:lnRef idx="2">
+            <a:schemeClr val="accent1">
+              <a:shade val="15000"/>
+            </a:schemeClr>
+          </a:lnRef>
+          <a:fillRef idx="1">
+            <a:schemeClr val="accent1"/>
+          </a:fillRef>
+          <a:effectRef idx="0">
+            <a:schemeClr val="accent1"/>
+          </a:effectRef>
+          <a:fontRef idx="minor">
+            <a:schemeClr val="lt1"/>
+          </a:fontRef>
+        </p:style>
+        <p:txBody>
+          <a:bodyPr rtlCol="0" anchor="ctr"/>
+          <a:lstStyle/>
+          <a:p>
+            <a:pPr algn="ctr"/>
+            <a:endParaRPr lang="en-US"/>
+          </a:p>
+        </p:txBody>
+      </p:sp>
+      <p:pic>
+        <p:nvPicPr>
+          <p:cNvPr id="2" name="image16.png">
+            <a:extLst>
+              <a:ext uri="{FF2B5EF4-FFF2-40B4-BE49-F238E27FC236}">
+                <a16:creationId xmlns:a16="http://schemas.microsoft.com/office/drawing/2014/main" id="{E219F1E7-EFE3-2FA0-4B2E-920B9757816E}"/>
+              </a:ext>
+            </a:extLst>
+          </p:cNvPr>
+          <p:cNvPicPr/>
+          <p:nvPr/>
+        </p:nvPicPr>
+        <p:blipFill>
+          <a:blip r:embed="rId4"/>
+          <a:srcRect/>
+          <a:stretch>
+            <a:fillRect/>
+          </a:stretch>
+        </p:blipFill>
+        <p:spPr>
+          <a:xfrm>
+            <a:off x="807611" y="4613652"/>
+            <a:ext cx="1728470" cy="1728470"/>
+          </a:xfrm>
+          <a:prstGeom prst="rect">
+            <a:avLst/>
+          </a:prstGeom>
+          <a:ln/>
+        </p:spPr>
+      </p:pic>
+      <p:sp>
+        <p:nvSpPr>
+          <p:cNvPr id="34" name="TextBox 33">
+            <a:extLst>
+              <a:ext uri="{FF2B5EF4-FFF2-40B4-BE49-F238E27FC236}">
+                <a16:creationId xmlns:a16="http://schemas.microsoft.com/office/drawing/2014/main" id="{DE9EDB39-E485-61D8-4E2C-7A2540D42099}"/>
+              </a:ext>
+            </a:extLst>
+          </p:cNvPr>
+          <p:cNvSpPr txBox="1"/>
+          <p:nvPr/>
+        </p:nvSpPr>
+        <p:spPr>
+          <a:xfrm>
+            <a:off x="807611" y="4561102"/>
+            <a:ext cx="1534266" cy="369332"/>
+          </a:xfrm>
+          <a:prstGeom prst="rect">
+            <a:avLst/>
+          </a:prstGeom>
+          <a:noFill/>
+        </p:spPr>
+        <p:txBody>
+          <a:bodyPr wrap="none" rtlCol="0">
+            <a:spAutoFit/>
+          </a:bodyPr>
+          <a:lstStyle/>
+          <a:p>
+            <a:r>
+              <a:rPr lang="en-US" dirty="0">
+                <a:solidFill>
+                  <a:schemeClr val="bg1"/>
+                </a:solidFill>
+              </a:rPr>
+              <a:t>Detection task</a:t>
+            </a:r>
+          </a:p>
+        </p:txBody>
+      </p:sp>
+      <p:sp>
+        <p:nvSpPr>
+          <p:cNvPr id="35" name="TextBox 34">
+            <a:extLst>
+              <a:ext uri="{FF2B5EF4-FFF2-40B4-BE49-F238E27FC236}">
+                <a16:creationId xmlns:a16="http://schemas.microsoft.com/office/drawing/2014/main" id="{A52EC61C-1D02-D500-2A97-B7B35C782BA1}"/>
+              </a:ext>
+            </a:extLst>
+          </p:cNvPr>
+          <p:cNvSpPr txBox="1"/>
+          <p:nvPr/>
+        </p:nvSpPr>
+        <p:spPr>
+          <a:xfrm>
+            <a:off x="3281014" y="5232145"/>
+            <a:ext cx="1897998" cy="369332"/>
+          </a:xfrm>
+          <a:prstGeom prst="rect">
+            <a:avLst/>
+          </a:prstGeom>
+          <a:noFill/>
+        </p:spPr>
+        <p:txBody>
+          <a:bodyPr wrap="square" rtlCol="0">
+            <a:spAutoFit/>
+          </a:bodyPr>
+          <a:lstStyle/>
+          <a:p>
+            <a:r>
+              <a:rPr lang="en-US" dirty="0"/>
+              <a:t>Experiment 2</a:t>
+            </a:r>
+          </a:p>
+        </p:txBody>
+      </p:sp>
+      <p:sp>
+        <p:nvSpPr>
+          <p:cNvPr id="36" name="TextBox 35">
+            <a:extLst>
+              <a:ext uri="{FF2B5EF4-FFF2-40B4-BE49-F238E27FC236}">
+                <a16:creationId xmlns:a16="http://schemas.microsoft.com/office/drawing/2014/main" id="{139E2E3A-C4C5-362E-661B-CD1BE4543EA3}"/>
+              </a:ext>
+            </a:extLst>
+          </p:cNvPr>
+          <p:cNvSpPr txBox="1"/>
+          <p:nvPr/>
+        </p:nvSpPr>
+        <p:spPr>
+          <a:xfrm>
+            <a:off x="5036120" y="5182428"/>
+            <a:ext cx="1522336" cy="646331"/>
+          </a:xfrm>
+          <a:prstGeom prst="rect">
+            <a:avLst/>
+          </a:prstGeom>
+          <a:noFill/>
+          <a:ln>
+            <a:solidFill>
+              <a:schemeClr val="accent1"/>
+            </a:solidFill>
+          </a:ln>
+        </p:spPr>
+        <p:txBody>
+          <a:bodyPr wrap="square" rtlCol="0">
+            <a:spAutoFit/>
+          </a:bodyPr>
+          <a:lstStyle/>
+          <a:p>
+            <a:pPr algn="ctr"/>
+            <a:r>
+              <a:rPr lang="en-US" dirty="0"/>
+              <a:t>Acuity mapping </a:t>
+            </a:r>
+          </a:p>
+        </p:txBody>
+      </p:sp>
+      <p:sp>
+        <p:nvSpPr>
+          <p:cNvPr id="37" name="TextBox 36">
+            <a:extLst>
+              <a:ext uri="{FF2B5EF4-FFF2-40B4-BE49-F238E27FC236}">
+                <a16:creationId xmlns:a16="http://schemas.microsoft.com/office/drawing/2014/main" id="{B1E3495F-58E6-5655-C405-96581A9BE099}"/>
+              </a:ext>
+            </a:extLst>
+          </p:cNvPr>
+          <p:cNvSpPr txBox="1"/>
+          <p:nvPr/>
+        </p:nvSpPr>
+        <p:spPr>
+          <a:xfrm>
+            <a:off x="7410642" y="4788983"/>
+            <a:ext cx="1523367" cy="646331"/>
+          </a:xfrm>
+          <a:prstGeom prst="rect">
+            <a:avLst/>
+          </a:prstGeom>
+          <a:noFill/>
+          <a:ln>
+            <a:solidFill>
+              <a:schemeClr val="accent1"/>
+            </a:solidFill>
+          </a:ln>
+        </p:spPr>
+        <p:txBody>
+          <a:bodyPr wrap="square" rtlCol="0">
+            <a:spAutoFit/>
+          </a:bodyPr>
+          <a:lstStyle/>
+          <a:p>
+            <a:r>
+              <a:rPr lang="en-US" dirty="0"/>
+              <a:t>Guided practice</a:t>
+            </a:r>
+          </a:p>
+        </p:txBody>
+      </p:sp>
+      <p:cxnSp>
+        <p:nvCxnSpPr>
+          <p:cNvPr id="38" name="Straight Arrow Connector 37">
+            <a:extLst>
+              <a:ext uri="{FF2B5EF4-FFF2-40B4-BE49-F238E27FC236}">
+                <a16:creationId xmlns:a16="http://schemas.microsoft.com/office/drawing/2014/main" id="{0A5B5F39-0563-3BF1-9B53-79D795430E25}"/>
+              </a:ext>
+            </a:extLst>
+          </p:cNvPr>
+          <p:cNvCxnSpPr>
+            <a:cxnSpLocks/>
+          </p:cNvCxnSpPr>
+          <p:nvPr/>
+        </p:nvCxnSpPr>
+        <p:spPr>
+          <a:xfrm>
+            <a:off x="8936504" y="5132673"/>
+            <a:ext cx="826332" cy="284138"/>
+          </a:xfrm>
+          <a:prstGeom prst="straightConnector1">
+            <a:avLst/>
+          </a:prstGeom>
+          <a:ln>
+            <a:tailEnd type="triangle"/>
+          </a:ln>
+        </p:spPr>
+        <p:style>
+          <a:lnRef idx="1">
+            <a:schemeClr val="accent1"/>
+          </a:lnRef>
+          <a:fillRef idx="0">
+            <a:schemeClr val="accent1"/>
+          </a:fillRef>
+          <a:effectRef idx="0">
+            <a:schemeClr val="accent1"/>
+          </a:effectRef>
+          <a:fontRef idx="minor">
+            <a:schemeClr val="tx1"/>
+          </a:fontRef>
+        </p:style>
+      </p:cxnSp>
+      <p:cxnSp>
+        <p:nvCxnSpPr>
+          <p:cNvPr id="39" name="Straight Arrow Connector 38">
+            <a:extLst>
+              <a:ext uri="{FF2B5EF4-FFF2-40B4-BE49-F238E27FC236}">
+                <a16:creationId xmlns:a16="http://schemas.microsoft.com/office/drawing/2014/main" id="{43BD0D29-4805-0050-8E0F-04BC6C6997AA}"/>
+              </a:ext>
+            </a:extLst>
+          </p:cNvPr>
+          <p:cNvCxnSpPr>
+            <a:cxnSpLocks/>
+          </p:cNvCxnSpPr>
+          <p:nvPr/>
+        </p:nvCxnSpPr>
+        <p:spPr>
+          <a:xfrm flipV="1">
+            <a:off x="8934008" y="5731156"/>
+            <a:ext cx="828828" cy="270476"/>
+          </a:xfrm>
+          <a:prstGeom prst="straightConnector1">
+            <a:avLst/>
+          </a:prstGeom>
+          <a:ln>
+            <a:tailEnd type="triangle"/>
+          </a:ln>
+        </p:spPr>
+        <p:style>
+          <a:lnRef idx="1">
+            <a:schemeClr val="accent1"/>
+          </a:lnRef>
+          <a:fillRef idx="0">
+            <a:schemeClr val="accent1"/>
+          </a:fillRef>
+          <a:effectRef idx="0">
+            <a:schemeClr val="accent1"/>
+          </a:effectRef>
+          <a:fontRef idx="minor">
+            <a:schemeClr val="tx1"/>
+          </a:fontRef>
+        </p:style>
+      </p:cxnSp>
+      <p:cxnSp>
+        <p:nvCxnSpPr>
+          <p:cNvPr id="40" name="Straight Arrow Connector 39">
+            <a:extLst>
+              <a:ext uri="{FF2B5EF4-FFF2-40B4-BE49-F238E27FC236}">
+                <a16:creationId xmlns:a16="http://schemas.microsoft.com/office/drawing/2014/main" id="{5051AB63-A2BB-FE60-E7CD-9653FBC490DB}"/>
+              </a:ext>
+            </a:extLst>
+          </p:cNvPr>
+          <p:cNvCxnSpPr>
+            <a:cxnSpLocks/>
+            <a:stCxn id="36" idx="3"/>
+            <a:endCxn id="37" idx="1"/>
+          </p:cNvCxnSpPr>
+          <p:nvPr/>
+        </p:nvCxnSpPr>
+        <p:spPr>
+          <a:xfrm flipV="1">
+            <a:off x="6558456" y="5112149"/>
+            <a:ext cx="852186" cy="393445"/>
+          </a:xfrm>
+          <a:prstGeom prst="straightConnector1">
+            <a:avLst/>
+          </a:prstGeom>
+          <a:ln>
+            <a:tailEnd type="triangle"/>
+          </a:ln>
+        </p:spPr>
+        <p:style>
+          <a:lnRef idx="1">
+            <a:schemeClr val="accent1"/>
+          </a:lnRef>
+          <a:fillRef idx="0">
+            <a:schemeClr val="accent1"/>
+          </a:fillRef>
+          <a:effectRef idx="0">
+            <a:schemeClr val="accent1"/>
+          </a:effectRef>
+          <a:fontRef idx="minor">
+            <a:schemeClr val="tx1"/>
+          </a:fontRef>
+        </p:style>
+      </p:cxnSp>
+      <p:cxnSp>
+        <p:nvCxnSpPr>
+          <p:cNvPr id="41" name="Straight Arrow Connector 40">
+            <a:extLst>
+              <a:ext uri="{FF2B5EF4-FFF2-40B4-BE49-F238E27FC236}">
+                <a16:creationId xmlns:a16="http://schemas.microsoft.com/office/drawing/2014/main" id="{DEEF371F-2103-792F-7EBA-48A49A58799B}"/>
+              </a:ext>
+            </a:extLst>
+          </p:cNvPr>
+          <p:cNvCxnSpPr>
+            <a:cxnSpLocks/>
+            <a:stCxn id="36" idx="3"/>
+            <a:endCxn id="42" idx="1"/>
+          </p:cNvCxnSpPr>
+          <p:nvPr/>
+        </p:nvCxnSpPr>
+        <p:spPr>
+          <a:xfrm>
+            <a:off x="6558456" y="5505594"/>
+            <a:ext cx="852186" cy="451125"/>
+          </a:xfrm>
+          <a:prstGeom prst="straightConnector1">
+            <a:avLst/>
+          </a:prstGeom>
+          <a:ln>
+            <a:tailEnd type="triangle"/>
+          </a:ln>
+        </p:spPr>
+        <p:style>
+          <a:lnRef idx="1">
+            <a:schemeClr val="accent1"/>
+          </a:lnRef>
+          <a:fillRef idx="0">
+            <a:schemeClr val="accent1"/>
+          </a:fillRef>
+          <a:effectRef idx="0">
+            <a:schemeClr val="accent1"/>
+          </a:effectRef>
+          <a:fontRef idx="minor">
+            <a:schemeClr val="tx1"/>
+          </a:fontRef>
+        </p:style>
+      </p:cxnSp>
+      <p:sp>
+        <p:nvSpPr>
+          <p:cNvPr id="42" name="TextBox 41">
+            <a:extLst>
+              <a:ext uri="{FF2B5EF4-FFF2-40B4-BE49-F238E27FC236}">
+                <a16:creationId xmlns:a16="http://schemas.microsoft.com/office/drawing/2014/main" id="{8B256CDB-E6AF-C63F-E56E-2572D09F5AA5}"/>
+              </a:ext>
+            </a:extLst>
+          </p:cNvPr>
+          <p:cNvSpPr txBox="1"/>
+          <p:nvPr/>
+        </p:nvSpPr>
+        <p:spPr>
+          <a:xfrm>
+            <a:off x="7410642" y="5633553"/>
+            <a:ext cx="1523367" cy="646331"/>
+          </a:xfrm>
+          <a:prstGeom prst="rect">
+            <a:avLst/>
+          </a:prstGeom>
+          <a:noFill/>
+          <a:ln>
+            <a:solidFill>
+              <a:schemeClr val="accent1"/>
+            </a:solidFill>
+          </a:ln>
+        </p:spPr>
+        <p:txBody>
+          <a:bodyPr wrap="square" rtlCol="0">
+            <a:spAutoFit/>
+          </a:bodyPr>
+          <a:lstStyle/>
+          <a:p>
+            <a:r>
+              <a:rPr lang="en-US" dirty="0"/>
+              <a:t>Unguided practice</a:t>
+            </a:r>
+          </a:p>
+        </p:txBody>
+      </p:sp>
+      <p:sp>
+        <p:nvSpPr>
+          <p:cNvPr id="60" name="TextBox 59">
+            <a:extLst>
+              <a:ext uri="{FF2B5EF4-FFF2-40B4-BE49-F238E27FC236}">
+                <a16:creationId xmlns:a16="http://schemas.microsoft.com/office/drawing/2014/main" id="{B6903CC7-198D-0918-0305-999BA4A67D30}"/>
+              </a:ext>
+            </a:extLst>
+          </p:cNvPr>
+          <p:cNvSpPr txBox="1"/>
+          <p:nvPr/>
+        </p:nvSpPr>
+        <p:spPr>
+          <a:xfrm>
+            <a:off x="9762836" y="5361824"/>
+            <a:ext cx="1523367" cy="369332"/>
+          </a:xfrm>
+          <a:prstGeom prst="rect">
+            <a:avLst/>
+          </a:prstGeom>
+          <a:noFill/>
+          <a:ln>
+            <a:solidFill>
+              <a:schemeClr val="accent1"/>
+            </a:solidFill>
+          </a:ln>
+        </p:spPr>
+        <p:txBody>
+          <a:bodyPr wrap="square" rtlCol="0">
+            <a:spAutoFit/>
+          </a:bodyPr>
+          <a:lstStyle/>
+          <a:p>
+            <a:r>
+              <a:rPr lang="en-US" dirty="0"/>
+              <a:t>Detection task</a:t>
+            </a:r>
+          </a:p>
+        </p:txBody>
+      </p:sp>
     </p:spTree>
     <p:extLst>
       <p:ext uri="{BB962C8B-B14F-4D97-AF65-F5344CB8AC3E}">

--- a/Experiment 1/FigureE1Methods.pptx
+++ b/Experiment 1/FigureE1Methods.pptx
@@ -261,7 +261,7 @@
           <a:p>
             <a:fld id="{7D04BBDE-D450-9B45-8D9C-6DC474680EED}" type="datetimeFigureOut">
               <a:rPr lang="en-US" smtClean="0"/>
-              <a:t>11/6/24</a:t>
+              <a:t>11/26/24</a:t>
             </a:fld>
             <a:endParaRPr lang="en-US"/>
           </a:p>
@@ -461,7 +461,7 @@
           <a:p>
             <a:fld id="{7D04BBDE-D450-9B45-8D9C-6DC474680EED}" type="datetimeFigureOut">
               <a:rPr lang="en-US" smtClean="0"/>
-              <a:t>11/6/24</a:t>
+              <a:t>11/26/24</a:t>
             </a:fld>
             <a:endParaRPr lang="en-US"/>
           </a:p>
@@ -671,7 +671,7 @@
           <a:p>
             <a:fld id="{7D04BBDE-D450-9B45-8D9C-6DC474680EED}" type="datetimeFigureOut">
               <a:rPr lang="en-US" smtClean="0"/>
-              <a:t>11/6/24</a:t>
+              <a:t>11/26/24</a:t>
             </a:fld>
             <a:endParaRPr lang="en-US"/>
           </a:p>
@@ -871,7 +871,7 @@
           <a:p>
             <a:fld id="{7D04BBDE-D450-9B45-8D9C-6DC474680EED}" type="datetimeFigureOut">
               <a:rPr lang="en-US" smtClean="0"/>
-              <a:t>11/6/24</a:t>
+              <a:t>11/26/24</a:t>
             </a:fld>
             <a:endParaRPr lang="en-US"/>
           </a:p>
@@ -1147,7 +1147,7 @@
           <a:p>
             <a:fld id="{7D04BBDE-D450-9B45-8D9C-6DC474680EED}" type="datetimeFigureOut">
               <a:rPr lang="en-US" smtClean="0"/>
-              <a:t>11/6/24</a:t>
+              <a:t>11/26/24</a:t>
             </a:fld>
             <a:endParaRPr lang="en-US"/>
           </a:p>
@@ -1415,7 +1415,7 @@
           <a:p>
             <a:fld id="{7D04BBDE-D450-9B45-8D9C-6DC474680EED}" type="datetimeFigureOut">
               <a:rPr lang="en-US" smtClean="0"/>
-              <a:t>11/6/24</a:t>
+              <a:t>11/26/24</a:t>
             </a:fld>
             <a:endParaRPr lang="en-US"/>
           </a:p>
@@ -1830,7 +1830,7 @@
           <a:p>
             <a:fld id="{7D04BBDE-D450-9B45-8D9C-6DC474680EED}" type="datetimeFigureOut">
               <a:rPr lang="en-US" smtClean="0"/>
-              <a:t>11/6/24</a:t>
+              <a:t>11/26/24</a:t>
             </a:fld>
             <a:endParaRPr lang="en-US"/>
           </a:p>
@@ -1972,7 +1972,7 @@
           <a:p>
             <a:fld id="{7D04BBDE-D450-9B45-8D9C-6DC474680EED}" type="datetimeFigureOut">
               <a:rPr lang="en-US" smtClean="0"/>
-              <a:t>11/6/24</a:t>
+              <a:t>11/26/24</a:t>
             </a:fld>
             <a:endParaRPr lang="en-US"/>
           </a:p>
@@ -2085,7 +2085,7 @@
           <a:p>
             <a:fld id="{7D04BBDE-D450-9B45-8D9C-6DC474680EED}" type="datetimeFigureOut">
               <a:rPr lang="en-US" smtClean="0"/>
-              <a:t>11/6/24</a:t>
+              <a:t>11/26/24</a:t>
             </a:fld>
             <a:endParaRPr lang="en-US"/>
           </a:p>
@@ -2398,7 +2398,7 @@
           <a:p>
             <a:fld id="{7D04BBDE-D450-9B45-8D9C-6DC474680EED}" type="datetimeFigureOut">
               <a:rPr lang="en-US" smtClean="0"/>
-              <a:t>11/6/24</a:t>
+              <a:t>11/26/24</a:t>
             </a:fld>
             <a:endParaRPr lang="en-US"/>
           </a:p>
@@ -2687,7 +2687,7 @@
           <a:p>
             <a:fld id="{7D04BBDE-D450-9B45-8D9C-6DC474680EED}" type="datetimeFigureOut">
               <a:rPr lang="en-US" smtClean="0"/>
-              <a:t>11/6/24</a:t>
+              <a:t>11/26/24</a:t>
             </a:fld>
             <a:endParaRPr lang="en-US"/>
           </a:p>
@@ -2930,7 +2930,7 @@
           <a:p>
             <a:fld id="{7D04BBDE-D450-9B45-8D9C-6DC474680EED}" type="datetimeFigureOut">
               <a:rPr lang="en-US" smtClean="0"/>
-              <a:t>11/6/24</a:t>
+              <a:t>11/26/24</a:t>
             </a:fld>
             <a:endParaRPr lang="en-US"/>
           </a:p>
@@ -3370,7 +3370,7 @@
           <a:noFill/>
           <a:ln>
             <a:solidFill>
-              <a:schemeClr val="accent1"/>
+              <a:schemeClr val="tx1"/>
             </a:solidFill>
           </a:ln>
         </p:spPr>
@@ -3508,15 +3508,15 @@
         <p:spPr>
           <a:xfrm>
             <a:off x="5036119" y="491870"/>
-            <a:ext cx="1448187" cy="369332"/>
+            <a:ext cx="1595909" cy="369332"/>
           </a:xfrm>
           <a:prstGeom prst="rect">
             <a:avLst/>
           </a:prstGeom>
           <a:noFill/>
-          <a:ln>
+          <a:ln w="38100">
             <a:solidFill>
-              <a:schemeClr val="accent1"/>
+              <a:srgbClr val="C00000"/>
             </a:solidFill>
           </a:ln>
         </p:spPr>
@@ -3527,8 +3527,12 @@
           <a:lstStyle/>
           <a:p>
             <a:r>
+              <a:rPr lang="en-US"/>
+              <a:t>Reaching </a:t>
+            </a:r>
+            <a:r>
               <a:rPr lang="en-US" dirty="0"/>
-              <a:t>Table task</a:t>
+              <a:t>task</a:t>
             </a:r>
           </a:p>
         </p:txBody>
@@ -3597,8 +3601,8 @@
           </p:nvSpPr>
           <p:spPr>
             <a:xfrm>
-              <a:off x="2882797" y="2056625"/>
-              <a:ext cx="1111202" cy="369332"/>
+              <a:off x="2754183" y="2066115"/>
+              <a:ext cx="1222183" cy="307777"/>
             </a:xfrm>
             <a:prstGeom prst="rect">
               <a:avLst/>
@@ -3613,7 +3617,7 @@
             <a:p>
               <a:r>
                 <a:rPr lang="en-US" dirty="0"/>
-                <a:t>Table task</a:t>
+                <a:t>Reaching task</a:t>
               </a:r>
             </a:p>
           </p:txBody>
@@ -3723,16 +3727,18 @@
         </p:nvSpPr>
         <p:spPr>
           <a:xfrm>
-            <a:off x="5045981" y="866927"/>
-            <a:ext cx="1438326" cy="443198"/>
+            <a:off x="5045980" y="929987"/>
+            <a:ext cx="1586047" cy="369332"/>
           </a:xfrm>
           <a:prstGeom prst="rect">
             <a:avLst/>
           </a:prstGeom>
           <a:noFill/>
-          <a:ln>
+          <a:ln w="38100">
             <a:solidFill>
-              <a:schemeClr val="accent1"/>
+              <a:schemeClr val="accent1">
+                <a:lumMod val="75000"/>
+              </a:schemeClr>
             </a:solidFill>
           </a:ln>
         </p:spPr>
@@ -3760,13 +3766,14 @@
           </p:cNvPr>
           <p:cNvCxnSpPr>
             <a:cxnSpLocks/>
+            <a:endCxn id="7" idx="1"/>
           </p:cNvCxnSpPr>
           <p:nvPr/>
         </p:nvCxnSpPr>
         <p:spPr>
           <a:xfrm>
-            <a:off x="6474446" y="684599"/>
-            <a:ext cx="2940022" cy="36792"/>
+            <a:off x="6615460" y="695780"/>
+            <a:ext cx="2923455" cy="122214"/>
           </a:xfrm>
           <a:prstGeom prst="straightConnector1">
             <a:avLst/>
@@ -3808,8 +3815,8 @@
         </p:nvCxnSpPr>
         <p:spPr>
           <a:xfrm flipV="1">
-            <a:off x="6484307" y="817994"/>
-            <a:ext cx="3054608" cy="270532"/>
+            <a:off x="6632027" y="817994"/>
+            <a:ext cx="2906888" cy="296659"/>
           </a:xfrm>
           <a:prstGeom prst="straightConnector1">
             <a:avLst/>
@@ -3848,7 +3855,129 @@
         <p:spPr>
           <a:xfrm>
             <a:off x="4989732" y="1656755"/>
-            <a:ext cx="2660693" cy="443198"/>
+            <a:ext cx="2660693" cy="369332"/>
+          </a:xfrm>
+          <a:prstGeom prst="rect">
+            <a:avLst/>
+          </a:prstGeom>
+          <a:noFill/>
+          <a:ln w="38100">
+            <a:solidFill>
+              <a:srgbClr val="C00000"/>
+            </a:solidFill>
+          </a:ln>
+        </p:spPr>
+        <p:txBody>
+          <a:bodyPr wrap="square" rtlCol="0">
+            <a:spAutoFit/>
+          </a:bodyPr>
+          <a:lstStyle/>
+          <a:p>
+            <a:r>
+              <a:rPr lang="en-US" dirty="0"/>
+              <a:t>Reaching task</a:t>
+            </a:r>
+          </a:p>
+        </p:txBody>
+      </p:sp>
+      <p:sp>
+        <p:nvSpPr>
+          <p:cNvPr id="24" name="TextBox 23">
+            <a:extLst>
+              <a:ext uri="{FF2B5EF4-FFF2-40B4-BE49-F238E27FC236}">
+                <a16:creationId xmlns:a16="http://schemas.microsoft.com/office/drawing/2014/main" id="{AA055603-5E19-2999-0A64-D576409E65E3}"/>
+              </a:ext>
+            </a:extLst>
+          </p:cNvPr>
+          <p:cNvSpPr txBox="1"/>
+          <p:nvPr/>
+        </p:nvSpPr>
+        <p:spPr>
+          <a:xfrm>
+            <a:off x="4987236" y="2099954"/>
+            <a:ext cx="2663189" cy="369332"/>
+          </a:xfrm>
+          <a:prstGeom prst="rect">
+            <a:avLst/>
+          </a:prstGeom>
+          <a:noFill/>
+          <a:ln w="38100">
+            <a:solidFill>
+              <a:schemeClr val="tx1"/>
+            </a:solidFill>
+          </a:ln>
+        </p:spPr>
+        <p:txBody>
+          <a:bodyPr wrap="square" rtlCol="0">
+            <a:spAutoFit/>
+          </a:bodyPr>
+          <a:lstStyle/>
+          <a:p>
+            <a:r>
+              <a:rPr lang="en-US" dirty="0"/>
+              <a:t>Abstract (text) problems</a:t>
+            </a:r>
+          </a:p>
+        </p:txBody>
+      </p:sp>
+      <p:sp>
+        <p:nvSpPr>
+          <p:cNvPr id="25" name="TextBox 24">
+            <a:extLst>
+              <a:ext uri="{FF2B5EF4-FFF2-40B4-BE49-F238E27FC236}">
+                <a16:creationId xmlns:a16="http://schemas.microsoft.com/office/drawing/2014/main" id="{1FC6CD11-6D9E-D46A-B108-3041822C8C34}"/>
+              </a:ext>
+            </a:extLst>
+          </p:cNvPr>
+          <p:cNvSpPr txBox="1"/>
+          <p:nvPr/>
+        </p:nvSpPr>
+        <p:spPr>
+          <a:xfrm>
+            <a:off x="4995092" y="2600225"/>
+            <a:ext cx="2663189" cy="443198"/>
+          </a:xfrm>
+          <a:prstGeom prst="rect">
+            <a:avLst/>
+          </a:prstGeom>
+          <a:noFill/>
+          <a:ln w="38100">
+            <a:solidFill>
+              <a:schemeClr val="accent1">
+                <a:lumMod val="75000"/>
+              </a:schemeClr>
+            </a:solidFill>
+          </a:ln>
+        </p:spPr>
+        <p:txBody>
+          <a:bodyPr wrap="square" rtlCol="0">
+            <a:spAutoFit/>
+          </a:bodyPr>
+          <a:lstStyle/>
+          <a:p>
+            <a:r>
+              <a:rPr lang="en-US" dirty="0"/>
+              <a:t>Arithmetic problems</a:t>
+            </a:r>
+          </a:p>
+        </p:txBody>
+      </p:sp>
+      <p:sp>
+        <p:nvSpPr>
+          <p:cNvPr id="26" name="TextBox 25">
+            <a:extLst>
+              <a:ext uri="{FF2B5EF4-FFF2-40B4-BE49-F238E27FC236}">
+                <a16:creationId xmlns:a16="http://schemas.microsoft.com/office/drawing/2014/main" id="{A65500B3-E26B-6766-F82F-21988A609152}"/>
+              </a:ext>
+            </a:extLst>
+          </p:cNvPr>
+          <p:cNvSpPr txBox="1"/>
+          <p:nvPr/>
+        </p:nvSpPr>
+        <p:spPr>
+          <a:xfrm>
+            <a:off x="9538915" y="2196943"/>
+            <a:ext cx="1971210" cy="369332"/>
           </a:xfrm>
           <a:prstGeom prst="rect">
             <a:avLst/>
@@ -3856,127 +3985,7 @@
           <a:noFill/>
           <a:ln>
             <a:solidFill>
-              <a:schemeClr val="accent1"/>
-            </a:solidFill>
-          </a:ln>
-        </p:spPr>
-        <p:txBody>
-          <a:bodyPr wrap="square" rtlCol="0">
-            <a:spAutoFit/>
-          </a:bodyPr>
-          <a:lstStyle/>
-          <a:p>
-            <a:r>
-              <a:rPr lang="en-US" dirty="0"/>
-              <a:t>Table task</a:t>
-            </a:r>
-          </a:p>
-        </p:txBody>
-      </p:sp>
-      <p:sp>
-        <p:nvSpPr>
-          <p:cNvPr id="24" name="TextBox 23">
-            <a:extLst>
-              <a:ext uri="{FF2B5EF4-FFF2-40B4-BE49-F238E27FC236}">
-                <a16:creationId xmlns:a16="http://schemas.microsoft.com/office/drawing/2014/main" id="{AA055603-5E19-2999-0A64-D576409E65E3}"/>
-              </a:ext>
-            </a:extLst>
-          </p:cNvPr>
-          <p:cNvSpPr txBox="1"/>
-          <p:nvPr/>
-        </p:nvSpPr>
-        <p:spPr>
-          <a:xfrm>
-            <a:off x="4987236" y="2099954"/>
-            <a:ext cx="2663189" cy="443198"/>
-          </a:xfrm>
-          <a:prstGeom prst="rect">
-            <a:avLst/>
-          </a:prstGeom>
-          <a:noFill/>
-          <a:ln>
-            <a:solidFill>
-              <a:schemeClr val="accent1"/>
-            </a:solidFill>
-          </a:ln>
-        </p:spPr>
-        <p:txBody>
-          <a:bodyPr wrap="square" rtlCol="0">
-            <a:spAutoFit/>
-          </a:bodyPr>
-          <a:lstStyle/>
-          <a:p>
-            <a:r>
-              <a:rPr lang="en-US" dirty="0"/>
-              <a:t>Verbal FDD problem</a:t>
-            </a:r>
-          </a:p>
-        </p:txBody>
-      </p:sp>
-      <p:sp>
-        <p:nvSpPr>
-          <p:cNvPr id="25" name="TextBox 24">
-            <a:extLst>
-              <a:ext uri="{FF2B5EF4-FFF2-40B4-BE49-F238E27FC236}">
-                <a16:creationId xmlns:a16="http://schemas.microsoft.com/office/drawing/2014/main" id="{1FC6CD11-6D9E-D46A-B108-3041822C8C34}"/>
-              </a:ext>
-            </a:extLst>
-          </p:cNvPr>
-          <p:cNvSpPr txBox="1"/>
-          <p:nvPr/>
-        </p:nvSpPr>
-        <p:spPr>
-          <a:xfrm>
-            <a:off x="4987236" y="2548560"/>
-            <a:ext cx="2663189" cy="443198"/>
-          </a:xfrm>
-          <a:prstGeom prst="rect">
-            <a:avLst/>
-          </a:prstGeom>
-          <a:noFill/>
-          <a:ln>
-            <a:solidFill>
-              <a:schemeClr val="accent1"/>
-            </a:solidFill>
-          </a:ln>
-        </p:spPr>
-        <p:txBody>
-          <a:bodyPr wrap="square" rtlCol="0">
-            <a:spAutoFit/>
-          </a:bodyPr>
-          <a:lstStyle/>
-          <a:p>
-            <a:r>
-              <a:rPr lang="en-US" dirty="0"/>
-              <a:t>Arithmetic problems</a:t>
-            </a:r>
-          </a:p>
-        </p:txBody>
-      </p:sp>
-      <p:sp>
-        <p:nvSpPr>
-          <p:cNvPr id="26" name="TextBox 25">
-            <a:extLst>
-              <a:ext uri="{FF2B5EF4-FFF2-40B4-BE49-F238E27FC236}">
-                <a16:creationId xmlns:a16="http://schemas.microsoft.com/office/drawing/2014/main" id="{A65500B3-E26B-6766-F82F-21988A609152}"/>
-              </a:ext>
-            </a:extLst>
-          </p:cNvPr>
-          <p:cNvSpPr txBox="1"/>
-          <p:nvPr/>
-        </p:nvSpPr>
-        <p:spPr>
-          <a:xfrm>
-            <a:off x="9538915" y="2196943"/>
-            <a:ext cx="1971210" cy="369332"/>
-          </a:xfrm>
-          <a:prstGeom prst="rect">
-            <a:avLst/>
-          </a:prstGeom>
-          <a:noFill/>
-          <a:ln>
-            <a:solidFill>
-              <a:schemeClr val="accent1"/>
+              <a:schemeClr val="tx1"/>
             </a:solidFill>
           </a:ln>
         </p:spPr>
@@ -4012,8 +4021,8 @@
         </p:nvCxnSpPr>
         <p:spPr>
           <a:xfrm>
-            <a:off x="7650425" y="2321553"/>
-            <a:ext cx="1888490" cy="60056"/>
+            <a:off x="7650425" y="2284620"/>
+            <a:ext cx="1888490" cy="96989"/>
           </a:xfrm>
           <a:prstGeom prst="straightConnector1">
             <a:avLst/>
@@ -4048,13 +4057,14 @@
           </p:cNvPr>
           <p:cNvCxnSpPr>
             <a:cxnSpLocks/>
+            <a:endCxn id="26" idx="1"/>
           </p:cNvCxnSpPr>
           <p:nvPr/>
         </p:nvCxnSpPr>
         <p:spPr>
           <a:xfrm flipV="1">
-            <a:off x="7666137" y="2548560"/>
-            <a:ext cx="1758192" cy="156988"/>
+            <a:off x="7666137" y="2381609"/>
+            <a:ext cx="1872778" cy="323939"/>
           </a:xfrm>
           <a:prstGeom prst="straightConnector1">
             <a:avLst/>
@@ -4090,13 +4100,14 @@
           <p:cNvCxnSpPr>
             <a:cxnSpLocks/>
             <a:stCxn id="23" idx="3"/>
+            <a:endCxn id="26" idx="1"/>
           </p:cNvCxnSpPr>
           <p:nvPr/>
         </p:nvCxnSpPr>
         <p:spPr>
           <a:xfrm>
-            <a:off x="7650425" y="1878354"/>
-            <a:ext cx="1758192" cy="443198"/>
+            <a:off x="7650425" y="1841421"/>
+            <a:ext cx="1888490" cy="540188"/>
           </a:xfrm>
           <a:prstGeom prst="straightConnector1">
             <a:avLst/>
@@ -4135,7 +4146,7 @@
         <p:spPr>
           <a:xfrm>
             <a:off x="4984149" y="3503347"/>
-            <a:ext cx="1971209" cy="646331"/>
+            <a:ext cx="1971209" cy="369332"/>
           </a:xfrm>
           <a:prstGeom prst="rect">
             <a:avLst/>
@@ -4143,7 +4154,7 @@
           <a:noFill/>
           <a:ln>
             <a:solidFill>
-              <a:schemeClr val="accent1"/>
+              <a:schemeClr val="tx1"/>
             </a:solidFill>
           </a:ln>
         </p:spPr>
@@ -4156,13 +4167,6 @@
             <a:pPr algn="ctr"/>
             <a:r>
               <a:rPr lang="en-US" dirty="0"/>
-              <a:t>skill test +</a:t>
-            </a:r>
-          </a:p>
-          <a:p>
-            <a:pPr algn="ctr"/>
-            <a:r>
-              <a:rPr lang="en-US" dirty="0"/>
               <a:t>Throwing task</a:t>
             </a:r>
           </a:p>
@@ -4183,7 +4187,7 @@
         <p:spPr>
           <a:xfrm>
             <a:off x="9538916" y="3557886"/>
-            <a:ext cx="1971209" cy="646331"/>
+            <a:ext cx="1971209" cy="369332"/>
           </a:xfrm>
           <a:prstGeom prst="rect">
             <a:avLst/>
@@ -4191,7 +4195,7 @@
           <a:noFill/>
           <a:ln>
             <a:solidFill>
-              <a:schemeClr val="accent1"/>
+              <a:schemeClr val="tx1"/>
             </a:solidFill>
           </a:ln>
         </p:spPr>
@@ -4207,13 +4211,6 @@
               <a:t>Throwing task</a:t>
             </a:r>
           </a:p>
-          <a:p>
-            <a:pPr algn="ctr"/>
-            <a:r>
-              <a:rPr lang="en-US" dirty="0"/>
-              <a:t>+ skill test</a:t>
-            </a:r>
-          </a:p>
         </p:txBody>
       </p:sp>
       <p:sp>
@@ -4230,14 +4227,54 @@
         </p:nvSpPr>
         <p:spPr>
           <a:xfrm>
-            <a:off x="7498179" y="3375754"/>
-            <a:ext cx="1438326" cy="443198"/>
+            <a:off x="7498178" y="3375754"/>
+            <a:ext cx="1582759" cy="369332"/>
           </a:xfrm>
           <a:prstGeom prst="rect">
             <a:avLst/>
           </a:prstGeom>
           <a:noFill/>
-          <a:ln>
+          <a:ln w="38100">
+            <a:solidFill>
+              <a:srgbClr val="C00000"/>
+            </a:solidFill>
+          </a:ln>
+        </p:spPr>
+        <p:txBody>
+          <a:bodyPr wrap="square" rtlCol="0">
+            <a:spAutoFit/>
+          </a:bodyPr>
+          <a:lstStyle/>
+          <a:p>
+            <a:r>
+              <a:rPr lang="en-US" dirty="0"/>
+              <a:t>Reaching task</a:t>
+            </a:r>
+          </a:p>
+        </p:txBody>
+      </p:sp>
+      <p:sp>
+        <p:nvSpPr>
+          <p:cNvPr id="46" name="TextBox 45">
+            <a:extLst>
+              <a:ext uri="{FF2B5EF4-FFF2-40B4-BE49-F238E27FC236}">
+                <a16:creationId xmlns:a16="http://schemas.microsoft.com/office/drawing/2014/main" id="{110ECE5A-98CF-03A3-3DCA-27D695E38042}"/>
+              </a:ext>
+            </a:extLst>
+          </p:cNvPr>
+          <p:cNvSpPr txBox="1"/>
+          <p:nvPr/>
+        </p:nvSpPr>
+        <p:spPr>
+          <a:xfrm>
+            <a:off x="7495683" y="3824380"/>
+            <a:ext cx="1582758" cy="369332"/>
+          </a:xfrm>
+          <a:prstGeom prst="rect">
+            <a:avLst/>
+          </a:prstGeom>
+          <a:noFill/>
+          <a:ln w="38100">
             <a:solidFill>
               <a:schemeClr val="accent1"/>
             </a:solidFill>
@@ -4250,46 +4287,6 @@
           <a:lstStyle/>
           <a:p>
             <a:r>
-              <a:rPr lang="en-US" dirty="0"/>
-              <a:t>Table task</a:t>
-            </a:r>
-          </a:p>
-        </p:txBody>
-      </p:sp>
-      <p:sp>
-        <p:nvSpPr>
-          <p:cNvPr id="46" name="TextBox 45">
-            <a:extLst>
-              <a:ext uri="{FF2B5EF4-FFF2-40B4-BE49-F238E27FC236}">
-                <a16:creationId xmlns:a16="http://schemas.microsoft.com/office/drawing/2014/main" id="{110ECE5A-98CF-03A3-3DCA-27D695E38042}"/>
-              </a:ext>
-            </a:extLst>
-          </p:cNvPr>
-          <p:cNvSpPr txBox="1"/>
-          <p:nvPr/>
-        </p:nvSpPr>
-        <p:spPr>
-          <a:xfrm>
-            <a:off x="7495683" y="3824380"/>
-            <a:ext cx="1438326" cy="443198"/>
-          </a:xfrm>
-          <a:prstGeom prst="rect">
-            <a:avLst/>
-          </a:prstGeom>
-          <a:noFill/>
-          <a:ln>
-            <a:solidFill>
-              <a:schemeClr val="accent1"/>
-            </a:solidFill>
-          </a:ln>
-        </p:spPr>
-        <p:txBody>
-          <a:bodyPr wrap="square" rtlCol="0">
-            <a:spAutoFit/>
-          </a:bodyPr>
-          <a:lstStyle/>
-          <a:p>
-            <a:r>
               <a:rPr lang="en-US" dirty="0" err="1"/>
               <a:t>Sodoku</a:t>
             </a:r>
@@ -4308,13 +4305,15 @@
           </p:cNvPr>
           <p:cNvCxnSpPr>
             <a:cxnSpLocks/>
+            <a:stCxn id="45" idx="3"/>
+            <a:endCxn id="44" idx="1"/>
           </p:cNvCxnSpPr>
           <p:nvPr/>
         </p:nvCxnSpPr>
         <p:spPr>
           <a:xfrm>
-            <a:off x="8936505" y="3599025"/>
-            <a:ext cx="602411" cy="62125"/>
+            <a:off x="9080937" y="3560420"/>
+            <a:ext cx="457979" cy="182132"/>
           </a:xfrm>
           <a:prstGeom prst="straightConnector1">
             <a:avLst/>
@@ -4349,14 +4348,14 @@
           </p:cNvPr>
           <p:cNvCxnSpPr>
             <a:cxnSpLocks/>
-            <a:stCxn id="46" idx="3"/>
+            <a:endCxn id="44" idx="1"/>
           </p:cNvCxnSpPr>
           <p:nvPr/>
         </p:nvCxnSpPr>
         <p:spPr>
           <a:xfrm flipV="1">
-            <a:off x="8934009" y="3873106"/>
-            <a:ext cx="604907" cy="172873"/>
+            <a:off x="9093761" y="3742552"/>
+            <a:ext cx="445155" cy="244471"/>
           </a:xfrm>
           <a:prstGeom prst="straightConnector1">
             <a:avLst/>
@@ -4398,8 +4397,8 @@
         </p:nvCxnSpPr>
         <p:spPr>
           <a:xfrm flipV="1">
-            <a:off x="6955358" y="3597353"/>
-            <a:ext cx="542821" cy="229160"/>
+            <a:off x="6955358" y="3560420"/>
+            <a:ext cx="542820" cy="127593"/>
           </a:xfrm>
           <a:prstGeom prst="straightConnector1">
             <a:avLst/>
@@ -4441,8 +4440,8 @@
         </p:nvCxnSpPr>
         <p:spPr>
           <a:xfrm>
-            <a:off x="6955358" y="3826513"/>
-            <a:ext cx="540325" cy="219466"/>
+            <a:off x="6955358" y="3688013"/>
+            <a:ext cx="540325" cy="321033"/>
           </a:xfrm>
           <a:prstGeom prst="straightConnector1">
             <a:avLst/>
@@ -4642,7 +4641,7 @@
           <a:noFill/>
           <a:ln>
             <a:solidFill>
-              <a:schemeClr val="accent1"/>
+              <a:schemeClr val="tx1"/>
             </a:solidFill>
           </a:ln>
         </p:spPr>
@@ -4681,9 +4680,9 @@
             <a:avLst/>
           </a:prstGeom>
           <a:noFill/>
-          <a:ln>
+          <a:ln w="38100">
             <a:solidFill>
-              <a:schemeClr val="accent1"/>
+              <a:srgbClr val="C00000"/>
             </a:solidFill>
           </a:ln>
         </p:spPr>
@@ -4711,13 +4710,14 @@
           </p:cNvPr>
           <p:cNvCxnSpPr>
             <a:cxnSpLocks/>
+            <a:endCxn id="60" idx="1"/>
           </p:cNvCxnSpPr>
           <p:nvPr/>
         </p:nvCxnSpPr>
         <p:spPr>
           <a:xfrm>
             <a:off x="8936504" y="5132673"/>
-            <a:ext cx="826332" cy="284138"/>
+            <a:ext cx="826332" cy="413817"/>
           </a:xfrm>
           <a:prstGeom prst="straightConnector1">
             <a:avLst/>
@@ -4752,13 +4752,14 @@
           </p:cNvPr>
           <p:cNvCxnSpPr>
             <a:cxnSpLocks/>
+            <a:endCxn id="60" idx="1"/>
           </p:cNvCxnSpPr>
           <p:nvPr/>
         </p:nvCxnSpPr>
         <p:spPr>
           <a:xfrm flipV="1">
-            <a:off x="8934008" y="5731156"/>
-            <a:ext cx="828828" cy="270476"/>
+            <a:off x="8934008" y="5546490"/>
+            <a:ext cx="828828" cy="455142"/>
           </a:xfrm>
           <a:prstGeom prst="straightConnector1">
             <a:avLst/>
@@ -4889,7 +4890,7 @@
             <a:avLst/>
           </a:prstGeom>
           <a:noFill/>
-          <a:ln>
+          <a:ln w="38100">
             <a:solidFill>
               <a:schemeClr val="accent1"/>
             </a:solidFill>
@@ -4931,7 +4932,7 @@
           <a:noFill/>
           <a:ln>
             <a:solidFill>
-              <a:schemeClr val="accent1"/>
+              <a:schemeClr val="tx1"/>
             </a:solidFill>
           </a:ln>
         </p:spPr>

--- a/Experiment 1/FigureE1Methods.pptx
+++ b/Experiment 1/FigureE1Methods.pptx
@@ -261,7 +261,7 @@
           <a:p>
             <a:fld id="{7D04BBDE-D450-9B45-8D9C-6DC474680EED}" type="datetimeFigureOut">
               <a:rPr lang="en-US" smtClean="0"/>
-              <a:t>11/26/24</a:t>
+              <a:t>11/27/24</a:t>
             </a:fld>
             <a:endParaRPr lang="en-US"/>
           </a:p>
@@ -461,7 +461,7 @@
           <a:p>
             <a:fld id="{7D04BBDE-D450-9B45-8D9C-6DC474680EED}" type="datetimeFigureOut">
               <a:rPr lang="en-US" smtClean="0"/>
-              <a:t>11/26/24</a:t>
+              <a:t>11/27/24</a:t>
             </a:fld>
             <a:endParaRPr lang="en-US"/>
           </a:p>
@@ -671,7 +671,7 @@
           <a:p>
             <a:fld id="{7D04BBDE-D450-9B45-8D9C-6DC474680EED}" type="datetimeFigureOut">
               <a:rPr lang="en-US" smtClean="0"/>
-              <a:t>11/26/24</a:t>
+              <a:t>11/27/24</a:t>
             </a:fld>
             <a:endParaRPr lang="en-US"/>
           </a:p>
@@ -871,7 +871,7 @@
           <a:p>
             <a:fld id="{7D04BBDE-D450-9B45-8D9C-6DC474680EED}" type="datetimeFigureOut">
               <a:rPr lang="en-US" smtClean="0"/>
-              <a:t>11/26/24</a:t>
+              <a:t>11/27/24</a:t>
             </a:fld>
             <a:endParaRPr lang="en-US"/>
           </a:p>
@@ -1147,7 +1147,7 @@
           <a:p>
             <a:fld id="{7D04BBDE-D450-9B45-8D9C-6DC474680EED}" type="datetimeFigureOut">
               <a:rPr lang="en-US" smtClean="0"/>
-              <a:t>11/26/24</a:t>
+              <a:t>11/27/24</a:t>
             </a:fld>
             <a:endParaRPr lang="en-US"/>
           </a:p>
@@ -1415,7 +1415,7 @@
           <a:p>
             <a:fld id="{7D04BBDE-D450-9B45-8D9C-6DC474680EED}" type="datetimeFigureOut">
               <a:rPr lang="en-US" smtClean="0"/>
-              <a:t>11/26/24</a:t>
+              <a:t>11/27/24</a:t>
             </a:fld>
             <a:endParaRPr lang="en-US"/>
           </a:p>
@@ -1830,7 +1830,7 @@
           <a:p>
             <a:fld id="{7D04BBDE-D450-9B45-8D9C-6DC474680EED}" type="datetimeFigureOut">
               <a:rPr lang="en-US" smtClean="0"/>
-              <a:t>11/26/24</a:t>
+              <a:t>11/27/24</a:t>
             </a:fld>
             <a:endParaRPr lang="en-US"/>
           </a:p>
@@ -1972,7 +1972,7 @@
           <a:p>
             <a:fld id="{7D04BBDE-D450-9B45-8D9C-6DC474680EED}" type="datetimeFigureOut">
               <a:rPr lang="en-US" smtClean="0"/>
-              <a:t>11/26/24</a:t>
+              <a:t>11/27/24</a:t>
             </a:fld>
             <a:endParaRPr lang="en-US"/>
           </a:p>
@@ -2085,7 +2085,7 @@
           <a:p>
             <a:fld id="{7D04BBDE-D450-9B45-8D9C-6DC474680EED}" type="datetimeFigureOut">
               <a:rPr lang="en-US" smtClean="0"/>
-              <a:t>11/26/24</a:t>
+              <a:t>11/27/24</a:t>
             </a:fld>
             <a:endParaRPr lang="en-US"/>
           </a:p>
@@ -2398,7 +2398,7 @@
           <a:p>
             <a:fld id="{7D04BBDE-D450-9B45-8D9C-6DC474680EED}" type="datetimeFigureOut">
               <a:rPr lang="en-US" smtClean="0"/>
-              <a:t>11/26/24</a:t>
+              <a:t>11/27/24</a:t>
             </a:fld>
             <a:endParaRPr lang="en-US"/>
           </a:p>
@@ -2687,7 +2687,7 @@
           <a:p>
             <a:fld id="{7D04BBDE-D450-9B45-8D9C-6DC474680EED}" type="datetimeFigureOut">
               <a:rPr lang="en-US" smtClean="0"/>
-              <a:t>11/26/24</a:t>
+              <a:t>11/27/24</a:t>
             </a:fld>
             <a:endParaRPr lang="en-US"/>
           </a:p>
@@ -2930,7 +2930,7 @@
           <a:p>
             <a:fld id="{7D04BBDE-D450-9B45-8D9C-6DC474680EED}" type="datetimeFigureOut">
               <a:rPr lang="en-US" smtClean="0"/>
-              <a:t>11/26/24</a:t>
+              <a:t>11/27/24</a:t>
             </a:fld>
             <a:endParaRPr lang="en-US"/>
           </a:p>
@@ -3362,7 +3362,7 @@
         <p:spPr>
           <a:xfrm>
             <a:off x="9538915" y="633328"/>
-            <a:ext cx="1971210" cy="369332"/>
+            <a:ext cx="1971210" cy="338554"/>
           </a:xfrm>
           <a:prstGeom prst="rect">
             <a:avLst/>
@@ -3382,7 +3382,7 @@
           <a:p>
             <a:pPr algn="ctr"/>
             <a:r>
-              <a:rPr lang="en-US" dirty="0"/>
+              <a:rPr lang="en-US" sz="1600" dirty="0"/>
               <a:t>Throwing task</a:t>
             </a:r>
           </a:p>
@@ -3403,7 +3403,7 @@
         <p:spPr>
           <a:xfrm>
             <a:off x="3208286" y="661177"/>
-            <a:ext cx="1897998" cy="443198"/>
+            <a:ext cx="1897998" cy="338554"/>
           </a:xfrm>
           <a:prstGeom prst="rect">
             <a:avLst/>
@@ -3417,7 +3417,7 @@
           <a:lstStyle/>
           <a:p>
             <a:r>
-              <a:rPr lang="en-US" dirty="0"/>
+              <a:rPr lang="en-US" sz="1600" dirty="0"/>
               <a:t>Experiment 1A</a:t>
             </a:r>
           </a:p>
@@ -3438,7 +3438,7 @@
         <p:spPr>
           <a:xfrm>
             <a:off x="3229044" y="2094546"/>
-            <a:ext cx="1897998" cy="443198"/>
+            <a:ext cx="1897998" cy="338554"/>
           </a:xfrm>
           <a:prstGeom prst="rect">
             <a:avLst/>
@@ -3452,7 +3452,7 @@
           <a:lstStyle/>
           <a:p>
             <a:r>
-              <a:rPr lang="en-US" dirty="0"/>
+              <a:rPr lang="en-US" sz="1600" dirty="0"/>
               <a:t>Experiment 1B</a:t>
             </a:r>
           </a:p>
@@ -3473,7 +3473,7 @@
         <p:spPr>
           <a:xfrm>
             <a:off x="3229044" y="3553064"/>
-            <a:ext cx="1897998" cy="443198"/>
+            <a:ext cx="1897998" cy="338554"/>
           </a:xfrm>
           <a:prstGeom prst="rect">
             <a:avLst/>
@@ -3487,7 +3487,7 @@
           <a:lstStyle/>
           <a:p>
             <a:r>
-              <a:rPr lang="en-US" dirty="0"/>
+              <a:rPr lang="en-US" sz="1600" dirty="0"/>
               <a:t>Experiment 1C</a:t>
             </a:r>
           </a:p>
@@ -3508,7 +3508,7 @@
         <p:spPr>
           <a:xfrm>
             <a:off x="5036119" y="491870"/>
-            <a:ext cx="1595909" cy="369332"/>
+            <a:ext cx="1595909" cy="338554"/>
           </a:xfrm>
           <a:prstGeom prst="rect">
             <a:avLst/>
@@ -3527,11 +3527,11 @@
           <a:lstStyle/>
           <a:p>
             <a:r>
-              <a:rPr lang="en-US"/>
+              <a:rPr lang="en-US" sz="1600"/>
               <a:t>Reaching </a:t>
             </a:r>
             <a:r>
-              <a:rPr lang="en-US" dirty="0"/>
+              <a:rPr lang="en-US" sz="1600" dirty="0"/>
               <a:t>task</a:t>
             </a:r>
           </a:p>
@@ -3728,7 +3728,7 @@
         <p:spPr>
           <a:xfrm>
             <a:off x="5045980" y="929987"/>
-            <a:ext cx="1586047" cy="369332"/>
+            <a:ext cx="1586047" cy="338554"/>
           </a:xfrm>
           <a:prstGeom prst="rect">
             <a:avLst/>
@@ -3736,9 +3736,7 @@
           <a:noFill/>
           <a:ln w="38100">
             <a:solidFill>
-              <a:schemeClr val="accent1">
-                <a:lumMod val="75000"/>
-              </a:schemeClr>
+              <a:schemeClr val="accent1"/>
             </a:solidFill>
           </a:ln>
         </p:spPr>
@@ -3749,7 +3747,7 @@
           <a:lstStyle/>
           <a:p>
             <a:r>
-              <a:rPr lang="en-US" dirty="0"/>
+              <a:rPr lang="en-US" sz="1600" dirty="0"/>
               <a:t>Small talk</a:t>
             </a:r>
           </a:p>
@@ -3773,7 +3771,7 @@
         <p:spPr>
           <a:xfrm>
             <a:off x="6615460" y="695780"/>
-            <a:ext cx="2923455" cy="122214"/>
+            <a:ext cx="2923455" cy="106825"/>
           </a:xfrm>
           <a:prstGeom prst="straightConnector1">
             <a:avLst/>
@@ -3815,7 +3813,7 @@
         </p:nvCxnSpPr>
         <p:spPr>
           <a:xfrm flipV="1">
-            <a:off x="6632027" y="817994"/>
+            <a:off x="6632027" y="802605"/>
             <a:ext cx="2906888" cy="296659"/>
           </a:xfrm>
           <a:prstGeom prst="straightConnector1">
@@ -3854,8 +3852,8 @@
         </p:nvSpPr>
         <p:spPr>
           <a:xfrm>
-            <a:off x="4989732" y="1656755"/>
-            <a:ext cx="2660693" cy="369332"/>
+            <a:off x="5038615" y="1658038"/>
+            <a:ext cx="2660693" cy="338554"/>
           </a:xfrm>
           <a:prstGeom prst="rect">
             <a:avLst/>
@@ -3874,7 +3872,7 @@
           <a:lstStyle/>
           <a:p>
             <a:r>
-              <a:rPr lang="en-US" dirty="0"/>
+              <a:rPr lang="en-US" sz="1600" dirty="0"/>
               <a:t>Reaching task</a:t>
             </a:r>
           </a:p>
@@ -3894,8 +3892,8 @@
         </p:nvSpPr>
         <p:spPr>
           <a:xfrm>
-            <a:off x="4987236" y="2099954"/>
-            <a:ext cx="2663189" cy="369332"/>
+            <a:off x="5036119" y="2101237"/>
+            <a:ext cx="2663189" cy="338554"/>
           </a:xfrm>
           <a:prstGeom prst="rect">
             <a:avLst/>
@@ -3903,7 +3901,7 @@
           <a:noFill/>
           <a:ln w="38100">
             <a:solidFill>
-              <a:schemeClr val="tx1"/>
+              <a:schemeClr val="accent1"/>
             </a:solidFill>
           </a:ln>
         </p:spPr>
@@ -3914,7 +3912,7 @@
           <a:lstStyle/>
           <a:p>
             <a:r>
-              <a:rPr lang="en-US" dirty="0"/>
+              <a:rPr lang="en-US" sz="1600" dirty="0"/>
               <a:t>Abstract (text) problems</a:t>
             </a:r>
           </a:p>
@@ -3934,8 +3932,8 @@
         </p:nvSpPr>
         <p:spPr>
           <a:xfrm>
-            <a:off x="4995092" y="2600225"/>
-            <a:ext cx="2663189" cy="443198"/>
+            <a:off x="5043975" y="2538448"/>
+            <a:ext cx="2663189" cy="338554"/>
           </a:xfrm>
           <a:prstGeom prst="rect">
             <a:avLst/>
@@ -3943,9 +3941,7 @@
           <a:noFill/>
           <a:ln w="38100">
             <a:solidFill>
-              <a:schemeClr val="accent1">
-                <a:lumMod val="75000"/>
-              </a:schemeClr>
+              <a:schemeClr val="accent1"/>
             </a:solidFill>
           </a:ln>
         </p:spPr>
@@ -3956,7 +3952,7 @@
           <a:lstStyle/>
           <a:p>
             <a:r>
-              <a:rPr lang="en-US" dirty="0"/>
+              <a:rPr lang="en-US" sz="1600" dirty="0"/>
               <a:t>Arithmetic problems</a:t>
             </a:r>
           </a:p>
@@ -3977,7 +3973,7 @@
         <p:spPr>
           <a:xfrm>
             <a:off x="9538915" y="2196943"/>
-            <a:ext cx="1971210" cy="369332"/>
+            <a:ext cx="1971210" cy="338554"/>
           </a:xfrm>
           <a:prstGeom prst="rect">
             <a:avLst/>
@@ -3997,7 +3993,7 @@
           <a:p>
             <a:pPr algn="ctr"/>
             <a:r>
-              <a:rPr lang="en-US" dirty="0"/>
+              <a:rPr lang="en-US" sz="1600" dirty="0"/>
               <a:t>Throwing task</a:t>
             </a:r>
           </a:p>
@@ -4021,8 +4017,8 @@
         </p:nvCxnSpPr>
         <p:spPr>
           <a:xfrm>
-            <a:off x="7650425" y="2284620"/>
-            <a:ext cx="1888490" cy="96989"/>
+            <a:off x="7699308" y="2270514"/>
+            <a:ext cx="1839607" cy="95706"/>
           </a:xfrm>
           <a:prstGeom prst="straightConnector1">
             <a:avLst/>
@@ -4063,8 +4059,8 @@
         </p:nvCxnSpPr>
         <p:spPr>
           <a:xfrm flipV="1">
-            <a:off x="7666137" y="2381609"/>
-            <a:ext cx="1872778" cy="323939"/>
+            <a:off x="7666137" y="2366220"/>
+            <a:ext cx="1872778" cy="339328"/>
           </a:xfrm>
           <a:prstGeom prst="straightConnector1">
             <a:avLst/>
@@ -4106,8 +4102,8 @@
         </p:nvCxnSpPr>
         <p:spPr>
           <a:xfrm>
-            <a:off x="7650425" y="1841421"/>
-            <a:ext cx="1888490" cy="540188"/>
+            <a:off x="7699308" y="1827315"/>
+            <a:ext cx="1839607" cy="538905"/>
           </a:xfrm>
           <a:prstGeom prst="straightConnector1">
             <a:avLst/>
@@ -4145,8 +4141,8 @@
         </p:nvSpPr>
         <p:spPr>
           <a:xfrm>
-            <a:off x="4984149" y="3503347"/>
-            <a:ext cx="1971209" cy="369332"/>
+            <a:off x="5036119" y="3503347"/>
+            <a:ext cx="1971209" cy="338554"/>
           </a:xfrm>
           <a:prstGeom prst="rect">
             <a:avLst/>
@@ -4166,7 +4162,7 @@
           <a:p>
             <a:pPr algn="ctr"/>
             <a:r>
-              <a:rPr lang="en-US" dirty="0"/>
+              <a:rPr lang="en-US" sz="1600" dirty="0"/>
               <a:t>Throwing task</a:t>
             </a:r>
           </a:p>
@@ -4187,7 +4183,7 @@
         <p:spPr>
           <a:xfrm>
             <a:off x="9538916" y="3557886"/>
-            <a:ext cx="1971209" cy="369332"/>
+            <a:ext cx="1971209" cy="338554"/>
           </a:xfrm>
           <a:prstGeom prst="rect">
             <a:avLst/>
@@ -4207,7 +4203,7 @@
           <a:p>
             <a:pPr algn="ctr"/>
             <a:r>
-              <a:rPr lang="en-US" dirty="0"/>
+              <a:rPr lang="en-US" sz="1600" dirty="0"/>
               <a:t>Throwing task</a:t>
             </a:r>
           </a:p>
@@ -4228,7 +4224,7 @@
         <p:spPr>
           <a:xfrm>
             <a:off x="7498178" y="3375754"/>
-            <a:ext cx="1582759" cy="369332"/>
+            <a:ext cx="1582759" cy="338554"/>
           </a:xfrm>
           <a:prstGeom prst="rect">
             <a:avLst/>
@@ -4247,7 +4243,7 @@
           <a:lstStyle/>
           <a:p>
             <a:r>
-              <a:rPr lang="en-US" dirty="0"/>
+              <a:rPr lang="en-US" sz="1600" dirty="0"/>
               <a:t>Reaching task</a:t>
             </a:r>
           </a:p>
@@ -4268,7 +4264,7 @@
         <p:spPr>
           <a:xfrm>
             <a:off x="7495683" y="3824380"/>
-            <a:ext cx="1582758" cy="369332"/>
+            <a:ext cx="1582758" cy="338554"/>
           </a:xfrm>
           <a:prstGeom prst="rect">
             <a:avLst/>
@@ -4287,10 +4283,10 @@
           <a:lstStyle/>
           <a:p>
             <a:r>
-              <a:rPr lang="en-US" dirty="0" err="1"/>
+              <a:rPr lang="en-US" sz="1600" dirty="0" err="1"/>
               <a:t>Sodoku</a:t>
             </a:r>
-            <a:endParaRPr lang="en-US" dirty="0"/>
+            <a:endParaRPr lang="en-US" sz="1600" dirty="0"/>
           </a:p>
         </p:txBody>
       </p:sp>
@@ -4312,7 +4308,7 @@
         </p:nvCxnSpPr>
         <p:spPr>
           <a:xfrm>
-            <a:off x="9080937" y="3560420"/>
+            <a:off x="9080937" y="3545031"/>
             <a:ext cx="457979" cy="182132"/>
           </a:xfrm>
           <a:prstGeom prst="straightConnector1">
@@ -4354,8 +4350,8 @@
         </p:nvCxnSpPr>
         <p:spPr>
           <a:xfrm flipV="1">
-            <a:off x="9093761" y="3742552"/>
-            <a:ext cx="445155" cy="244471"/>
+            <a:off x="9093761" y="3727163"/>
+            <a:ext cx="445155" cy="259860"/>
           </a:xfrm>
           <a:prstGeom prst="straightConnector1">
             <a:avLst/>
@@ -4397,8 +4393,8 @@
         </p:nvCxnSpPr>
         <p:spPr>
           <a:xfrm flipV="1">
-            <a:off x="6955358" y="3560420"/>
-            <a:ext cx="542820" cy="127593"/>
+            <a:off x="7007328" y="3545031"/>
+            <a:ext cx="490850" cy="127593"/>
           </a:xfrm>
           <a:prstGeom prst="straightConnector1">
             <a:avLst/>
@@ -4440,8 +4436,8 @@
         </p:nvCxnSpPr>
         <p:spPr>
           <a:xfrm>
-            <a:off x="6955358" y="3688013"/>
-            <a:ext cx="540325" cy="321033"/>
+            <a:off x="7007328" y="3672624"/>
+            <a:ext cx="488355" cy="321033"/>
           </a:xfrm>
           <a:prstGeom prst="straightConnector1">
             <a:avLst/>
@@ -4479,7 +4475,7 @@
         </p:nvSpPr>
         <p:spPr>
           <a:xfrm>
-            <a:off x="373917" y="4561102"/>
+            <a:off x="373917" y="4802832"/>
             <a:ext cx="2653993" cy="1817370"/>
           </a:xfrm>
           <a:prstGeom prst="rect">
@@ -4535,7 +4531,7 @@
         </p:blipFill>
         <p:spPr>
           <a:xfrm>
-            <a:off x="807611" y="4613652"/>
+            <a:off x="807611" y="4855382"/>
             <a:ext cx="1728470" cy="1728470"/>
           </a:xfrm>
           <a:prstGeom prst="rect">
@@ -4558,7 +4554,7 @@
         </p:nvSpPr>
         <p:spPr>
           <a:xfrm>
-            <a:off x="807611" y="4561102"/>
+            <a:off x="807611" y="4802832"/>
             <a:ext cx="1534266" cy="369332"/>
           </a:xfrm>
           <a:prstGeom prst="rect">
@@ -4597,8 +4593,8 @@
         </p:nvSpPr>
         <p:spPr>
           <a:xfrm>
-            <a:off x="3281014" y="5232145"/>
-            <a:ext cx="1897998" cy="369332"/>
+            <a:off x="3281014" y="5473875"/>
+            <a:ext cx="1897998" cy="338554"/>
           </a:xfrm>
           <a:prstGeom prst="rect">
             <a:avLst/>
@@ -4612,7 +4608,7 @@
           <a:lstStyle/>
           <a:p>
             <a:r>
-              <a:rPr lang="en-US" dirty="0"/>
+              <a:rPr lang="en-US" sz="1600" dirty="0"/>
               <a:t>Experiment 2</a:t>
             </a:r>
           </a:p>
@@ -4632,8 +4628,8 @@
         </p:nvSpPr>
         <p:spPr>
           <a:xfrm>
-            <a:off x="5036120" y="5182428"/>
-            <a:ext cx="1522336" cy="646331"/>
+            <a:off x="5036120" y="5424158"/>
+            <a:ext cx="1522336" cy="338554"/>
           </a:xfrm>
           <a:prstGeom prst="rect">
             <a:avLst/>
@@ -4653,7 +4649,7 @@
           <a:p>
             <a:pPr algn="ctr"/>
             <a:r>
-              <a:rPr lang="en-US" dirty="0"/>
+              <a:rPr lang="en-US" sz="1600" dirty="0"/>
               <a:t>Acuity mapping </a:t>
             </a:r>
           </a:p>
@@ -4673,8 +4669,8 @@
         </p:nvSpPr>
         <p:spPr>
           <a:xfrm>
-            <a:off x="7410642" y="4788983"/>
-            <a:ext cx="1523367" cy="646331"/>
+            <a:off x="7410642" y="5030713"/>
+            <a:ext cx="1523367" cy="338554"/>
           </a:xfrm>
           <a:prstGeom prst="rect">
             <a:avLst/>
@@ -4693,7 +4689,7 @@
           <a:lstStyle/>
           <a:p>
             <a:r>
-              <a:rPr lang="en-US" dirty="0"/>
+              <a:rPr lang="en-US" sz="1600" dirty="0"/>
               <a:t>Guided practice</a:t>
             </a:r>
           </a:p>
@@ -4716,8 +4712,8 @@
         </p:nvCxnSpPr>
         <p:spPr>
           <a:xfrm>
-            <a:off x="8936504" y="5132673"/>
-            <a:ext cx="826332" cy="413817"/>
+            <a:off x="8936504" y="5374403"/>
+            <a:ext cx="826332" cy="398428"/>
           </a:xfrm>
           <a:prstGeom prst="straightConnector1">
             <a:avLst/>
@@ -4758,8 +4754,8 @@
         </p:nvCxnSpPr>
         <p:spPr>
           <a:xfrm flipV="1">
-            <a:off x="8934008" y="5546490"/>
-            <a:ext cx="828828" cy="455142"/>
+            <a:off x="8934008" y="5772831"/>
+            <a:ext cx="828828" cy="470531"/>
           </a:xfrm>
           <a:prstGeom prst="straightConnector1">
             <a:avLst/>
@@ -4801,7 +4797,7 @@
         </p:nvCxnSpPr>
         <p:spPr>
           <a:xfrm flipV="1">
-            <a:off x="6558456" y="5112149"/>
+            <a:off x="6558456" y="5199990"/>
             <a:ext cx="852186" cy="393445"/>
           </a:xfrm>
           <a:prstGeom prst="straightConnector1">
@@ -4844,8 +4840,8 @@
         </p:nvCxnSpPr>
         <p:spPr>
           <a:xfrm>
-            <a:off x="6558456" y="5505594"/>
-            <a:ext cx="852186" cy="451125"/>
+            <a:off x="6558456" y="5593435"/>
+            <a:ext cx="852186" cy="574236"/>
           </a:xfrm>
           <a:prstGeom prst="straightConnector1">
             <a:avLst/>
@@ -4883,8 +4879,8 @@
         </p:nvSpPr>
         <p:spPr>
           <a:xfrm>
-            <a:off x="7410642" y="5633553"/>
-            <a:ext cx="1523367" cy="646331"/>
+            <a:off x="7410642" y="5875283"/>
+            <a:ext cx="1523367" cy="584775"/>
           </a:xfrm>
           <a:prstGeom prst="rect">
             <a:avLst/>
@@ -4903,7 +4899,7 @@
           <a:lstStyle/>
           <a:p>
             <a:r>
-              <a:rPr lang="en-US" dirty="0"/>
+              <a:rPr lang="en-US" sz="1600" dirty="0"/>
               <a:t>Unguided practice</a:t>
             </a:r>
           </a:p>
@@ -4923,8 +4919,8 @@
         </p:nvSpPr>
         <p:spPr>
           <a:xfrm>
-            <a:off x="9762836" y="5361824"/>
-            <a:ext cx="1523367" cy="369332"/>
+            <a:off x="9762836" y="5603554"/>
+            <a:ext cx="1523367" cy="338554"/>
           </a:xfrm>
           <a:prstGeom prst="rect">
             <a:avLst/>
@@ -4943,12 +4939,137 @@
           <a:lstStyle/>
           <a:p>
             <a:r>
-              <a:rPr lang="en-US" dirty="0"/>
+              <a:rPr lang="en-US" sz="1600" dirty="0"/>
               <a:t>Detection task</a:t>
             </a:r>
           </a:p>
         </p:txBody>
       </p:sp>
+      <p:cxnSp>
+        <p:nvCxnSpPr>
+          <p:cNvPr id="29" name="Straight Connector 28">
+            <a:extLst>
+              <a:ext uri="{FF2B5EF4-FFF2-40B4-BE49-F238E27FC236}">
+                <a16:creationId xmlns:a16="http://schemas.microsoft.com/office/drawing/2014/main" id="{5CF95D9E-54DB-242F-CC69-7CA793AD85CB}"/>
+              </a:ext>
+            </a:extLst>
+          </p:cNvPr>
+          <p:cNvCxnSpPr/>
+          <p:nvPr/>
+        </p:nvCxnSpPr>
+        <p:spPr>
+          <a:xfrm>
+            <a:off x="3202667" y="1460937"/>
+            <a:ext cx="8374958" cy="0"/>
+          </a:xfrm>
+          <a:prstGeom prst="line">
+            <a:avLst/>
+          </a:prstGeom>
+          <a:ln w="38100">
+            <a:solidFill>
+              <a:schemeClr val="tx1"/>
+            </a:solidFill>
+          </a:ln>
+        </p:spPr>
+        <p:style>
+          <a:lnRef idx="1">
+            <a:schemeClr val="accent1"/>
+          </a:lnRef>
+          <a:fillRef idx="0">
+            <a:schemeClr val="accent1"/>
+          </a:fillRef>
+          <a:effectRef idx="0">
+            <a:schemeClr val="accent1"/>
+          </a:effectRef>
+          <a:fontRef idx="minor">
+            <a:schemeClr val="tx1"/>
+          </a:fontRef>
+        </p:style>
+      </p:cxnSp>
+      <p:cxnSp>
+        <p:nvCxnSpPr>
+          <p:cNvPr id="31" name="Straight Connector 30">
+            <a:extLst>
+              <a:ext uri="{FF2B5EF4-FFF2-40B4-BE49-F238E27FC236}">
+                <a16:creationId xmlns:a16="http://schemas.microsoft.com/office/drawing/2014/main" id="{7FBC9B12-222E-F162-FC18-050B17E3F03E}"/>
+              </a:ext>
+            </a:extLst>
+          </p:cNvPr>
+          <p:cNvCxnSpPr/>
+          <p:nvPr/>
+        </p:nvCxnSpPr>
+        <p:spPr>
+          <a:xfrm>
+            <a:off x="3202667" y="3175777"/>
+            <a:ext cx="8374958" cy="0"/>
+          </a:xfrm>
+          <a:prstGeom prst="line">
+            <a:avLst/>
+          </a:prstGeom>
+          <a:ln w="38100">
+            <a:solidFill>
+              <a:schemeClr val="tx1"/>
+            </a:solidFill>
+          </a:ln>
+        </p:spPr>
+        <p:style>
+          <a:lnRef idx="1">
+            <a:schemeClr val="accent1"/>
+          </a:lnRef>
+          <a:fillRef idx="0">
+            <a:schemeClr val="accent1"/>
+          </a:fillRef>
+          <a:effectRef idx="0">
+            <a:schemeClr val="accent1"/>
+          </a:effectRef>
+          <a:fontRef idx="minor">
+            <a:schemeClr val="tx1"/>
+          </a:fontRef>
+        </p:style>
+      </p:cxnSp>
+      <p:cxnSp>
+        <p:nvCxnSpPr>
+          <p:cNvPr id="32" name="Straight Connector 31">
+            <a:extLst>
+              <a:ext uri="{FF2B5EF4-FFF2-40B4-BE49-F238E27FC236}">
+                <a16:creationId xmlns:a16="http://schemas.microsoft.com/office/drawing/2014/main" id="{7010AE35-35B7-94BC-BFF6-2524BB832DF5}"/>
+              </a:ext>
+            </a:extLst>
+          </p:cNvPr>
+          <p:cNvCxnSpPr>
+            <a:cxnSpLocks/>
+          </p:cNvCxnSpPr>
+          <p:nvPr/>
+        </p:nvCxnSpPr>
+        <p:spPr>
+          <a:xfrm>
+            <a:off x="373917" y="4578667"/>
+            <a:ext cx="11203708" cy="0"/>
+          </a:xfrm>
+          <a:prstGeom prst="line">
+            <a:avLst/>
+          </a:prstGeom>
+          <a:ln w="38100">
+            <a:solidFill>
+              <a:schemeClr val="tx1"/>
+            </a:solidFill>
+          </a:ln>
+        </p:spPr>
+        <p:style>
+          <a:lnRef idx="1">
+            <a:schemeClr val="accent1"/>
+          </a:lnRef>
+          <a:fillRef idx="0">
+            <a:schemeClr val="accent1"/>
+          </a:fillRef>
+          <a:effectRef idx="0">
+            <a:schemeClr val="accent1"/>
+          </a:effectRef>
+          <a:fontRef idx="minor">
+            <a:schemeClr val="tx1"/>
+          </a:fontRef>
+        </p:style>
+      </p:cxnSp>
     </p:spTree>
     <p:extLst>
       <p:ext uri="{BB962C8B-B14F-4D97-AF65-F5344CB8AC3E}">
